--- a/BilanConcours/Besoin.pptx
+++ b/BilanConcours/Besoin.pptx
@@ -7,6 +7,9 @@
   <p:sldIdLst>
     <p:sldId id="256" r:id="rId2"/>
     <p:sldId id="257" r:id="rId3"/>
+    <p:sldId id="258" r:id="rId4"/>
+    <p:sldId id="259" r:id="rId5"/>
+    <p:sldId id="260" r:id="rId6"/>
   </p:sldIdLst>
   <p:sldSz cx="12192000" cy="6858000"/>
   <p:notesSz cx="6858000" cy="9144000"/>
@@ -271,7 +274,7 @@
           <a:p>
             <a:fld id="{03335F77-ED5B-4326-B19B-ED96FEEFE050}" type="datetimeFigureOut">
               <a:rPr lang="fr-FR" smtClean="0"/>
-              <a:t>05/01/2022</a:t>
+              <a:t>12/01/2022</a:t>
             </a:fld>
             <a:endParaRPr lang="fr-FR"/>
           </a:p>
@@ -469,7 +472,7 @@
           <a:p>
             <a:fld id="{03335F77-ED5B-4326-B19B-ED96FEEFE050}" type="datetimeFigureOut">
               <a:rPr lang="fr-FR" smtClean="0"/>
-              <a:t>05/01/2022</a:t>
+              <a:t>12/01/2022</a:t>
             </a:fld>
             <a:endParaRPr lang="fr-FR"/>
           </a:p>
@@ -677,7 +680,7 @@
           <a:p>
             <a:fld id="{03335F77-ED5B-4326-B19B-ED96FEEFE050}" type="datetimeFigureOut">
               <a:rPr lang="fr-FR" smtClean="0"/>
-              <a:t>05/01/2022</a:t>
+              <a:t>12/01/2022</a:t>
             </a:fld>
             <a:endParaRPr lang="fr-FR"/>
           </a:p>
@@ -875,7 +878,7 @@
           <a:p>
             <a:fld id="{03335F77-ED5B-4326-B19B-ED96FEEFE050}" type="datetimeFigureOut">
               <a:rPr lang="fr-FR" smtClean="0"/>
-              <a:t>05/01/2022</a:t>
+              <a:t>12/01/2022</a:t>
             </a:fld>
             <a:endParaRPr lang="fr-FR"/>
           </a:p>
@@ -1150,7 +1153,7 @@
           <a:p>
             <a:fld id="{03335F77-ED5B-4326-B19B-ED96FEEFE050}" type="datetimeFigureOut">
               <a:rPr lang="fr-FR" smtClean="0"/>
-              <a:t>05/01/2022</a:t>
+              <a:t>12/01/2022</a:t>
             </a:fld>
             <a:endParaRPr lang="fr-FR"/>
           </a:p>
@@ -1415,7 +1418,7 @@
           <a:p>
             <a:fld id="{03335F77-ED5B-4326-B19B-ED96FEEFE050}" type="datetimeFigureOut">
               <a:rPr lang="fr-FR" smtClean="0"/>
-              <a:t>05/01/2022</a:t>
+              <a:t>12/01/2022</a:t>
             </a:fld>
             <a:endParaRPr lang="fr-FR"/>
           </a:p>
@@ -1827,7 +1830,7 @@
           <a:p>
             <a:fld id="{03335F77-ED5B-4326-B19B-ED96FEEFE050}" type="datetimeFigureOut">
               <a:rPr lang="fr-FR" smtClean="0"/>
-              <a:t>05/01/2022</a:t>
+              <a:t>12/01/2022</a:t>
             </a:fld>
             <a:endParaRPr lang="fr-FR"/>
           </a:p>
@@ -1968,7 +1971,7 @@
           <a:p>
             <a:fld id="{03335F77-ED5B-4326-B19B-ED96FEEFE050}" type="datetimeFigureOut">
               <a:rPr lang="fr-FR" smtClean="0"/>
-              <a:t>05/01/2022</a:t>
+              <a:t>12/01/2022</a:t>
             </a:fld>
             <a:endParaRPr lang="fr-FR"/>
           </a:p>
@@ -2081,7 +2084,7 @@
           <a:p>
             <a:fld id="{03335F77-ED5B-4326-B19B-ED96FEEFE050}" type="datetimeFigureOut">
               <a:rPr lang="fr-FR" smtClean="0"/>
-              <a:t>05/01/2022</a:t>
+              <a:t>12/01/2022</a:t>
             </a:fld>
             <a:endParaRPr lang="fr-FR"/>
           </a:p>
@@ -2392,7 +2395,7 @@
           <a:p>
             <a:fld id="{03335F77-ED5B-4326-B19B-ED96FEEFE050}" type="datetimeFigureOut">
               <a:rPr lang="fr-FR" smtClean="0"/>
-              <a:t>05/01/2022</a:t>
+              <a:t>12/01/2022</a:t>
             </a:fld>
             <a:endParaRPr lang="fr-FR"/>
           </a:p>
@@ -2680,7 +2683,7 @@
           <a:p>
             <a:fld id="{03335F77-ED5B-4326-B19B-ED96FEEFE050}" type="datetimeFigureOut">
               <a:rPr lang="fr-FR" smtClean="0"/>
-              <a:t>05/01/2022</a:t>
+              <a:t>12/01/2022</a:t>
             </a:fld>
             <a:endParaRPr lang="fr-FR"/>
           </a:p>
@@ -2921,7 +2924,7 @@
           <a:p>
             <a:fld id="{03335F77-ED5B-4326-B19B-ED96FEEFE050}" type="datetimeFigureOut">
               <a:rPr lang="fr-FR" smtClean="0"/>
-              <a:t>05/01/2022</a:t>
+              <a:t>12/01/2022</a:t>
             </a:fld>
             <a:endParaRPr lang="fr-FR"/>
           </a:p>
@@ -3527,6 +3530,879 @@
 </p:sld>
 </file>
 
+<file path=ppt/slides/slide3.xml><?xml version="1.0" encoding="utf-8"?>
+<p:sld xmlns:a="http://schemas.openxmlformats.org/drawingml/2006/main" xmlns:r="http://schemas.openxmlformats.org/officeDocument/2006/relationships" xmlns:p="http://schemas.openxmlformats.org/presentationml/2006/main">
+  <p:cSld>
+    <p:spTree>
+      <p:nvGrpSpPr>
+        <p:cNvPr id="1" name=""/>
+        <p:cNvGrpSpPr/>
+        <p:nvPr/>
+      </p:nvGrpSpPr>
+      <p:grpSpPr>
+        <a:xfrm>
+          <a:off x="0" y="0"/>
+          <a:ext cx="0" cy="0"/>
+          <a:chOff x="0" y="0"/>
+          <a:chExt cx="0" cy="0"/>
+        </a:xfrm>
+      </p:grpSpPr>
+      <p:sp>
+        <p:nvSpPr>
+          <p:cNvPr id="2" name="Titre 1">
+            <a:extLst>
+              <a:ext uri="{FF2B5EF4-FFF2-40B4-BE49-F238E27FC236}">
+                <a16:creationId xmlns:a16="http://schemas.microsoft.com/office/drawing/2014/main" id="{916B751B-8EC1-433B-87C1-3DEF8076C8AB}"/>
+              </a:ext>
+            </a:extLst>
+          </p:cNvPr>
+          <p:cNvSpPr>
+            <a:spLocks noGrp="1"/>
+          </p:cNvSpPr>
+          <p:nvPr>
+            <p:ph type="title"/>
+          </p:nvPr>
+        </p:nvSpPr>
+        <p:spPr/>
+        <p:txBody>
+          <a:bodyPr/>
+          <a:lstStyle/>
+          <a:p>
+            <a:r>
+              <a:rPr lang="fr-FR" dirty="0"/>
+              <a:t>Lecture de fichier d’écrit</a:t>
+            </a:r>
+          </a:p>
+        </p:txBody>
+      </p:sp>
+      <p:sp>
+        <p:nvSpPr>
+          <p:cNvPr id="3" name="Espace réservé du contenu 2">
+            <a:extLst>
+              <a:ext uri="{FF2B5EF4-FFF2-40B4-BE49-F238E27FC236}">
+                <a16:creationId xmlns:a16="http://schemas.microsoft.com/office/drawing/2014/main" id="{E978ADBA-4DC9-4093-BE05-BB1857D3E224}"/>
+              </a:ext>
+            </a:extLst>
+          </p:cNvPr>
+          <p:cNvSpPr>
+            <a:spLocks noGrp="1"/>
+          </p:cNvSpPr>
+          <p:nvPr>
+            <p:ph idx="1"/>
+          </p:nvPr>
+        </p:nvSpPr>
+        <p:spPr/>
+        <p:txBody>
+          <a:bodyPr>
+            <a:normAutofit fontScale="92500" lnSpcReduction="20000"/>
+          </a:bodyPr>
+          <a:lstStyle/>
+          <a:p>
+            <a:r>
+              <a:rPr lang="fr-FR" dirty="0"/>
+              <a:t>Case A3 :</a:t>
+            </a:r>
+          </a:p>
+          <a:p>
+            <a:pPr lvl="1"/>
+            <a:r>
+              <a:rPr lang="fr-FR" dirty="0"/>
+              <a:t>Récupérer école</a:t>
+            </a:r>
+          </a:p>
+          <a:p>
+            <a:pPr lvl="1"/>
+            <a:r>
+              <a:rPr lang="fr-FR" dirty="0"/>
+              <a:t>Récupérer la barre</a:t>
+            </a:r>
+          </a:p>
+          <a:p>
+            <a:r>
+              <a:rPr lang="fr-FR" dirty="0"/>
+              <a:t>Ligne 3</a:t>
+            </a:r>
+          </a:p>
+          <a:p>
+            <a:pPr lvl="1"/>
+            <a:r>
+              <a:rPr lang="fr-FR" dirty="0"/>
+              <a:t>Récupérer le nombre de colonnes</a:t>
+            </a:r>
+          </a:p>
+          <a:p>
+            <a:pPr lvl="2"/>
+            <a:r>
+              <a:rPr lang="fr-FR" dirty="0"/>
+              <a:t>Colonne 1 numéro candidat</a:t>
+            </a:r>
+          </a:p>
+          <a:p>
+            <a:pPr lvl="2"/>
+            <a:r>
+              <a:rPr lang="fr-FR" dirty="0"/>
+              <a:t>Colonne 2 nom</a:t>
+            </a:r>
+          </a:p>
+          <a:p>
+            <a:pPr lvl="2"/>
+            <a:r>
+              <a:rPr lang="fr-FR" dirty="0"/>
+              <a:t>Colonne 3 Rang/</a:t>
+            </a:r>
+            <a:r>
+              <a:rPr lang="fr-FR" dirty="0" err="1"/>
+              <a:t>Status</a:t>
+            </a:r>
+            <a:endParaRPr lang="fr-FR" dirty="0"/>
+          </a:p>
+          <a:p>
+            <a:pPr lvl="2"/>
+            <a:r>
+              <a:rPr lang="fr-FR" dirty="0"/>
+              <a:t>Colonne 4 Total (à recalculer)</a:t>
+            </a:r>
+          </a:p>
+          <a:p>
+            <a:pPr lvl="2"/>
+            <a:r>
+              <a:rPr lang="fr-FR" dirty="0"/>
+              <a:t>Colonne 5 Moyenne (à recalculer)</a:t>
+            </a:r>
+          </a:p>
+          <a:p>
+            <a:pPr lvl="2"/>
+            <a:r>
+              <a:rPr lang="fr-FR" dirty="0"/>
+              <a:t>Colonne restantes : matières</a:t>
+            </a:r>
+          </a:p>
+          <a:p>
+            <a:r>
+              <a:rPr lang="fr-FR" dirty="0"/>
+              <a:t>Faire le lien entre les disciplines identifiées et les disciplines de la base de donnée</a:t>
+            </a:r>
+          </a:p>
+          <a:p>
+            <a:r>
+              <a:rPr lang="fr-FR" dirty="0"/>
+              <a:t>Ajouter les notes (si elles n’existent pas) et inscription aux </a:t>
+            </a:r>
+            <a:r>
+              <a:rPr lang="fr-FR" dirty="0" err="1"/>
+              <a:t>cocours</a:t>
+            </a:r>
+            <a:endParaRPr lang="fr-FR" dirty="0"/>
+          </a:p>
+          <a:p>
+            <a:endParaRPr lang="fr-FR" dirty="0"/>
+          </a:p>
+          <a:p>
+            <a:pPr marL="0" indent="0">
+              <a:buNone/>
+            </a:pPr>
+            <a:endParaRPr lang="fr-FR" dirty="0"/>
+          </a:p>
+        </p:txBody>
+      </p:sp>
+    </p:spTree>
+    <p:extLst>
+      <p:ext uri="{BB962C8B-B14F-4D97-AF65-F5344CB8AC3E}">
+        <p14:creationId xmlns:p14="http://schemas.microsoft.com/office/powerpoint/2010/main" val="3429006108"/>
+      </p:ext>
+    </p:extLst>
+  </p:cSld>
+  <p:clrMapOvr>
+    <a:masterClrMapping/>
+  </p:clrMapOvr>
+</p:sld>
+</file>
+
+<file path=ppt/slides/slide4.xml><?xml version="1.0" encoding="utf-8"?>
+<p:sld xmlns:a="http://schemas.openxmlformats.org/drawingml/2006/main" xmlns:r="http://schemas.openxmlformats.org/officeDocument/2006/relationships" xmlns:p="http://schemas.openxmlformats.org/presentationml/2006/main">
+  <p:cSld>
+    <p:spTree>
+      <p:nvGrpSpPr>
+        <p:cNvPr id="1" name=""/>
+        <p:cNvGrpSpPr/>
+        <p:nvPr/>
+      </p:nvGrpSpPr>
+      <p:grpSpPr>
+        <a:xfrm>
+          <a:off x="0" y="0"/>
+          <a:ext cx="0" cy="0"/>
+          <a:chOff x="0" y="0"/>
+          <a:chExt cx="0" cy="0"/>
+        </a:xfrm>
+      </p:grpSpPr>
+      <p:sp>
+        <p:nvSpPr>
+          <p:cNvPr id="2" name="Titre 1">
+            <a:extLst>
+              <a:ext uri="{FF2B5EF4-FFF2-40B4-BE49-F238E27FC236}">
+                <a16:creationId xmlns:a16="http://schemas.microsoft.com/office/drawing/2014/main" id="{5362FAC3-F6C6-4482-8C78-FADFCEAD717A}"/>
+              </a:ext>
+            </a:extLst>
+          </p:cNvPr>
+          <p:cNvSpPr>
+            <a:spLocks noGrp="1"/>
+          </p:cNvSpPr>
+          <p:nvPr>
+            <p:ph type="title"/>
+          </p:nvPr>
+        </p:nvSpPr>
+        <p:spPr/>
+        <p:txBody>
+          <a:bodyPr/>
+          <a:lstStyle/>
+          <a:p>
+            <a:r>
+              <a:rPr lang="fr-FR" dirty="0"/>
+              <a:t>BDD</a:t>
+            </a:r>
+          </a:p>
+        </p:txBody>
+      </p:sp>
+      <p:sp>
+        <p:nvSpPr>
+          <p:cNvPr id="3" name="Espace réservé du contenu 2">
+            <a:extLst>
+              <a:ext uri="{FF2B5EF4-FFF2-40B4-BE49-F238E27FC236}">
+                <a16:creationId xmlns:a16="http://schemas.microsoft.com/office/drawing/2014/main" id="{73CEAA3F-764A-4A60-9A87-D2ED82420435}"/>
+              </a:ext>
+            </a:extLst>
+          </p:cNvPr>
+          <p:cNvSpPr>
+            <a:spLocks noGrp="1"/>
+          </p:cNvSpPr>
+          <p:nvPr>
+            <p:ph idx="1"/>
+          </p:nvPr>
+        </p:nvSpPr>
+        <p:spPr>
+          <a:xfrm>
+            <a:off x="838200" y="1825625"/>
+            <a:ext cx="4060371" cy="4351338"/>
+          </a:xfrm>
+        </p:spPr>
+        <p:txBody>
+          <a:bodyPr>
+            <a:normAutofit fontScale="92500" lnSpcReduction="20000"/>
+          </a:bodyPr>
+          <a:lstStyle/>
+          <a:p>
+            <a:r>
+              <a:rPr lang="fr-FR" dirty="0" err="1"/>
+              <a:t>Eleve</a:t>
+            </a:r>
+            <a:endParaRPr lang="fr-FR" dirty="0"/>
+          </a:p>
+          <a:p>
+            <a:pPr lvl="1"/>
+            <a:r>
+              <a:rPr lang="fr-FR" dirty="0"/>
+              <a:t>Id</a:t>
+            </a:r>
+          </a:p>
+          <a:p>
+            <a:pPr lvl="1"/>
+            <a:r>
+              <a:rPr lang="fr-FR" dirty="0" err="1"/>
+              <a:t>Annee</a:t>
+            </a:r>
+            <a:r>
+              <a:rPr lang="fr-FR" dirty="0"/>
+              <a:t> concours</a:t>
+            </a:r>
+          </a:p>
+          <a:p>
+            <a:pPr lvl="1"/>
+            <a:r>
+              <a:rPr lang="fr-FR" dirty="0" err="1"/>
+              <a:t>Num</a:t>
+            </a:r>
+            <a:r>
+              <a:rPr lang="fr-FR" dirty="0"/>
+              <a:t> </a:t>
+            </a:r>
+            <a:r>
+              <a:rPr lang="fr-FR" dirty="0" err="1"/>
+              <a:t>scei</a:t>
+            </a:r>
+            <a:endParaRPr lang="fr-FR" dirty="0"/>
+          </a:p>
+          <a:p>
+            <a:pPr lvl="1"/>
+            <a:r>
+              <a:rPr lang="fr-FR" dirty="0"/>
+              <a:t>Nom</a:t>
+            </a:r>
+          </a:p>
+          <a:p>
+            <a:pPr lvl="1"/>
+            <a:r>
+              <a:rPr lang="fr-FR" dirty="0" err="1"/>
+              <a:t>Prenom</a:t>
+            </a:r>
+            <a:endParaRPr lang="fr-FR" dirty="0"/>
+          </a:p>
+          <a:p>
+            <a:pPr lvl="1"/>
+            <a:r>
+              <a:rPr lang="fr-FR" dirty="0"/>
+              <a:t>Classe</a:t>
+            </a:r>
+          </a:p>
+          <a:p>
+            <a:pPr lvl="1"/>
+            <a:r>
+              <a:rPr lang="fr-FR" dirty="0"/>
+              <a:t>Bonif (oui ou non)</a:t>
+            </a:r>
+          </a:p>
+          <a:p>
+            <a:pPr lvl="1"/>
+            <a:endParaRPr lang="fr-FR" dirty="0"/>
+          </a:p>
+          <a:p>
+            <a:pPr marL="0" indent="0">
+              <a:buNone/>
+            </a:pPr>
+            <a:r>
+              <a:rPr lang="fr-FR" dirty="0" err="1"/>
+              <a:t>Eleve_ecole</a:t>
+            </a:r>
+            <a:endParaRPr lang="fr-FR" dirty="0"/>
+          </a:p>
+          <a:p>
+            <a:r>
+              <a:rPr lang="fr-FR" dirty="0"/>
+              <a:t>Id </a:t>
+            </a:r>
+            <a:r>
+              <a:rPr lang="fr-FR" dirty="0" err="1"/>
+              <a:t>eleve</a:t>
+            </a:r>
+            <a:endParaRPr lang="fr-FR" dirty="0"/>
+          </a:p>
+          <a:p>
+            <a:r>
+              <a:rPr lang="fr-FR" dirty="0" err="1"/>
+              <a:t>Id_ecole</a:t>
+            </a:r>
+            <a:endParaRPr lang="fr-FR" dirty="0"/>
+          </a:p>
+        </p:txBody>
+      </p:sp>
+      <p:sp>
+        <p:nvSpPr>
+          <p:cNvPr id="4" name="Espace réservé du contenu 2">
+            <a:extLst>
+              <a:ext uri="{FF2B5EF4-FFF2-40B4-BE49-F238E27FC236}">
+                <a16:creationId xmlns:a16="http://schemas.microsoft.com/office/drawing/2014/main" id="{C63BF2F5-01A9-45E9-8BC0-8D8A1F28F466}"/>
+              </a:ext>
+            </a:extLst>
+          </p:cNvPr>
+          <p:cNvSpPr txBox="1">
+            <a:spLocks/>
+          </p:cNvSpPr>
+          <p:nvPr/>
+        </p:nvSpPr>
+        <p:spPr>
+          <a:xfrm>
+            <a:off x="5802085" y="573768"/>
+            <a:ext cx="4060371" cy="4351338"/>
+          </a:xfrm>
+          <a:prstGeom prst="rect">
+            <a:avLst/>
+          </a:prstGeom>
+        </p:spPr>
+        <p:txBody>
+          <a:bodyPr vert="horz" lIns="91440" tIns="45720" rIns="91440" bIns="45720" rtlCol="0">
+            <a:normAutofit fontScale="40000" lnSpcReduction="20000"/>
+          </a:bodyPr>
+          <a:lstStyle>
+            <a:lvl1pPr marL="228600" indent="-228600" algn="l" defTabSz="914400" rtl="0" eaLnBrk="1" latinLnBrk="0" hangingPunct="1">
+              <a:lnSpc>
+                <a:spcPct val="90000"/>
+              </a:lnSpc>
+              <a:spcBef>
+                <a:spcPts val="1000"/>
+              </a:spcBef>
+              <a:buFont typeface="Arial" panose="020B0604020202020204" pitchFamily="34" charset="0"/>
+              <a:buChar char="•"/>
+              <a:defRPr sz="2800" kern="1200">
+                <a:solidFill>
+                  <a:schemeClr val="tx1"/>
+                </a:solidFill>
+                <a:latin typeface="+mn-lt"/>
+                <a:ea typeface="+mn-ea"/>
+                <a:cs typeface="+mn-cs"/>
+              </a:defRPr>
+            </a:lvl1pPr>
+            <a:lvl2pPr marL="685800" indent="-228600" algn="l" defTabSz="914400" rtl="0" eaLnBrk="1" latinLnBrk="0" hangingPunct="1">
+              <a:lnSpc>
+                <a:spcPct val="90000"/>
+              </a:lnSpc>
+              <a:spcBef>
+                <a:spcPts val="500"/>
+              </a:spcBef>
+              <a:buFont typeface="Arial" panose="020B0604020202020204" pitchFamily="34" charset="0"/>
+              <a:buChar char="•"/>
+              <a:defRPr sz="2400" kern="1200">
+                <a:solidFill>
+                  <a:schemeClr val="tx1"/>
+                </a:solidFill>
+                <a:latin typeface="+mn-lt"/>
+                <a:ea typeface="+mn-ea"/>
+                <a:cs typeface="+mn-cs"/>
+              </a:defRPr>
+            </a:lvl2pPr>
+            <a:lvl3pPr marL="1143000" indent="-228600" algn="l" defTabSz="914400" rtl="0" eaLnBrk="1" latinLnBrk="0" hangingPunct="1">
+              <a:lnSpc>
+                <a:spcPct val="90000"/>
+              </a:lnSpc>
+              <a:spcBef>
+                <a:spcPts val="500"/>
+              </a:spcBef>
+              <a:buFont typeface="Arial" panose="020B0604020202020204" pitchFamily="34" charset="0"/>
+              <a:buChar char="•"/>
+              <a:defRPr sz="2000" kern="1200">
+                <a:solidFill>
+                  <a:schemeClr val="tx1"/>
+                </a:solidFill>
+                <a:latin typeface="+mn-lt"/>
+                <a:ea typeface="+mn-ea"/>
+                <a:cs typeface="+mn-cs"/>
+              </a:defRPr>
+            </a:lvl3pPr>
+            <a:lvl4pPr marL="1600200" indent="-228600" algn="l" defTabSz="914400" rtl="0" eaLnBrk="1" latinLnBrk="0" hangingPunct="1">
+              <a:lnSpc>
+                <a:spcPct val="90000"/>
+              </a:lnSpc>
+              <a:spcBef>
+                <a:spcPts val="500"/>
+              </a:spcBef>
+              <a:buFont typeface="Arial" panose="020B0604020202020204" pitchFamily="34" charset="0"/>
+              <a:buChar char="•"/>
+              <a:defRPr sz="1800" kern="1200">
+                <a:solidFill>
+                  <a:schemeClr val="tx1"/>
+                </a:solidFill>
+                <a:latin typeface="+mn-lt"/>
+                <a:ea typeface="+mn-ea"/>
+                <a:cs typeface="+mn-cs"/>
+              </a:defRPr>
+            </a:lvl4pPr>
+            <a:lvl5pPr marL="2057400" indent="-228600" algn="l" defTabSz="914400" rtl="0" eaLnBrk="1" latinLnBrk="0" hangingPunct="1">
+              <a:lnSpc>
+                <a:spcPct val="90000"/>
+              </a:lnSpc>
+              <a:spcBef>
+                <a:spcPts val="500"/>
+              </a:spcBef>
+              <a:buFont typeface="Arial" panose="020B0604020202020204" pitchFamily="34" charset="0"/>
+              <a:buChar char="•"/>
+              <a:defRPr sz="1800" kern="1200">
+                <a:solidFill>
+                  <a:schemeClr val="tx1"/>
+                </a:solidFill>
+                <a:latin typeface="+mn-lt"/>
+                <a:ea typeface="+mn-ea"/>
+                <a:cs typeface="+mn-cs"/>
+              </a:defRPr>
+            </a:lvl5pPr>
+            <a:lvl6pPr marL="2514600" indent="-228600" algn="l" defTabSz="914400" rtl="0" eaLnBrk="1" latinLnBrk="0" hangingPunct="1">
+              <a:lnSpc>
+                <a:spcPct val="90000"/>
+              </a:lnSpc>
+              <a:spcBef>
+                <a:spcPts val="500"/>
+              </a:spcBef>
+              <a:buFont typeface="Arial" panose="020B0604020202020204" pitchFamily="34" charset="0"/>
+              <a:buChar char="•"/>
+              <a:defRPr sz="1800" kern="1200">
+                <a:solidFill>
+                  <a:schemeClr val="tx1"/>
+                </a:solidFill>
+                <a:latin typeface="+mn-lt"/>
+                <a:ea typeface="+mn-ea"/>
+                <a:cs typeface="+mn-cs"/>
+              </a:defRPr>
+            </a:lvl6pPr>
+            <a:lvl7pPr marL="2971800" indent="-228600" algn="l" defTabSz="914400" rtl="0" eaLnBrk="1" latinLnBrk="0" hangingPunct="1">
+              <a:lnSpc>
+                <a:spcPct val="90000"/>
+              </a:lnSpc>
+              <a:spcBef>
+                <a:spcPts val="500"/>
+              </a:spcBef>
+              <a:buFont typeface="Arial" panose="020B0604020202020204" pitchFamily="34" charset="0"/>
+              <a:buChar char="•"/>
+              <a:defRPr sz="1800" kern="1200">
+                <a:solidFill>
+                  <a:schemeClr val="tx1"/>
+                </a:solidFill>
+                <a:latin typeface="+mn-lt"/>
+                <a:ea typeface="+mn-ea"/>
+                <a:cs typeface="+mn-cs"/>
+              </a:defRPr>
+            </a:lvl7pPr>
+            <a:lvl8pPr marL="3429000" indent="-228600" algn="l" defTabSz="914400" rtl="0" eaLnBrk="1" latinLnBrk="0" hangingPunct="1">
+              <a:lnSpc>
+                <a:spcPct val="90000"/>
+              </a:lnSpc>
+              <a:spcBef>
+                <a:spcPts val="500"/>
+              </a:spcBef>
+              <a:buFont typeface="Arial" panose="020B0604020202020204" pitchFamily="34" charset="0"/>
+              <a:buChar char="•"/>
+              <a:defRPr sz="1800" kern="1200">
+                <a:solidFill>
+                  <a:schemeClr val="tx1"/>
+                </a:solidFill>
+                <a:latin typeface="+mn-lt"/>
+                <a:ea typeface="+mn-ea"/>
+                <a:cs typeface="+mn-cs"/>
+              </a:defRPr>
+            </a:lvl8pPr>
+            <a:lvl9pPr marL="3886200" indent="-228600" algn="l" defTabSz="914400" rtl="0" eaLnBrk="1" latinLnBrk="0" hangingPunct="1">
+              <a:lnSpc>
+                <a:spcPct val="90000"/>
+              </a:lnSpc>
+              <a:spcBef>
+                <a:spcPts val="500"/>
+              </a:spcBef>
+              <a:buFont typeface="Arial" panose="020B0604020202020204" pitchFamily="34" charset="0"/>
+              <a:buChar char="•"/>
+              <a:defRPr sz="1800" kern="1200">
+                <a:solidFill>
+                  <a:schemeClr val="tx1"/>
+                </a:solidFill>
+                <a:latin typeface="+mn-lt"/>
+                <a:ea typeface="+mn-ea"/>
+                <a:cs typeface="+mn-cs"/>
+              </a:defRPr>
+            </a:lvl9pPr>
+          </a:lstStyle>
+          <a:p>
+            <a:r>
+              <a:rPr lang="fr-FR" dirty="0"/>
+              <a:t>Banque</a:t>
+            </a:r>
+          </a:p>
+          <a:p>
+            <a:pPr lvl="1"/>
+            <a:r>
+              <a:rPr lang="fr-FR" dirty="0"/>
+              <a:t>Id</a:t>
+            </a:r>
+          </a:p>
+          <a:p>
+            <a:pPr lvl="1"/>
+            <a:r>
+              <a:rPr lang="fr-FR" dirty="0"/>
+              <a:t>nom</a:t>
+            </a:r>
+          </a:p>
+          <a:p>
+            <a:pPr marL="0" indent="0">
+              <a:buFont typeface="Arial" panose="020B0604020202020204" pitchFamily="34" charset="0"/>
+              <a:buNone/>
+            </a:pPr>
+            <a:r>
+              <a:rPr lang="fr-FR" dirty="0"/>
+              <a:t>Ecole </a:t>
+            </a:r>
+          </a:p>
+          <a:p>
+            <a:r>
+              <a:rPr lang="fr-FR" dirty="0"/>
+              <a:t>Id</a:t>
+            </a:r>
+          </a:p>
+          <a:p>
+            <a:r>
+              <a:rPr lang="fr-FR" dirty="0"/>
+              <a:t>Nom</a:t>
+            </a:r>
+          </a:p>
+          <a:p>
+            <a:r>
+              <a:rPr lang="fr-FR" dirty="0" err="1"/>
+              <a:t>Id_banque</a:t>
+            </a:r>
+            <a:endParaRPr lang="fr-FR" dirty="0"/>
+          </a:p>
+          <a:p>
+            <a:r>
+              <a:rPr lang="fr-FR" dirty="0"/>
+              <a:t>Flag : </a:t>
+            </a:r>
+            <a:r>
+              <a:rPr lang="fr-FR" dirty="0" err="1"/>
+              <a:t>TRUE</a:t>
+            </a:r>
+            <a:r>
+              <a:rPr lang="fr-FR" dirty="0"/>
+              <a:t> (inscription en banque) FALSE inscription par école</a:t>
+            </a:r>
+          </a:p>
+          <a:p>
+            <a:endParaRPr lang="fr-FR" dirty="0"/>
+          </a:p>
+          <a:p>
+            <a:r>
+              <a:rPr lang="fr-FR" dirty="0"/>
+              <a:t>Coefs</a:t>
+            </a:r>
+          </a:p>
+          <a:p>
+            <a:r>
+              <a:rPr lang="fr-FR" dirty="0" err="1"/>
+              <a:t>Id_ecole</a:t>
+            </a:r>
+            <a:endParaRPr lang="fr-FR" dirty="0"/>
+          </a:p>
+          <a:p>
+            <a:r>
+              <a:rPr lang="fr-FR" dirty="0"/>
+              <a:t>Discipline</a:t>
+            </a:r>
+          </a:p>
+          <a:p>
+            <a:r>
+              <a:rPr lang="fr-FR" dirty="0"/>
+              <a:t>Oral/</a:t>
+            </a:r>
+            <a:r>
+              <a:rPr lang="fr-FR" dirty="0" err="1"/>
+              <a:t>ecrit</a:t>
+            </a:r>
+            <a:endParaRPr lang="fr-FR" dirty="0"/>
+          </a:p>
+          <a:p>
+            <a:r>
+              <a:rPr lang="fr-FR" dirty="0"/>
+              <a:t>Coef</a:t>
+            </a:r>
+          </a:p>
+          <a:p>
+            <a:endParaRPr lang="fr-FR" dirty="0"/>
+          </a:p>
+          <a:p>
+            <a:r>
+              <a:rPr lang="fr-FR" dirty="0" err="1"/>
+              <a:t>Barres_admissibilité</a:t>
+            </a:r>
+            <a:endParaRPr lang="fr-FR" dirty="0"/>
+          </a:p>
+          <a:p>
+            <a:pPr lvl="1"/>
+            <a:r>
+              <a:rPr lang="fr-FR"/>
+              <a:t>barres</a:t>
+            </a:r>
+            <a:endParaRPr lang="fr-FR" dirty="0"/>
+          </a:p>
+          <a:p>
+            <a:endParaRPr lang="fr-FR" dirty="0"/>
+          </a:p>
+          <a:p>
+            <a:pPr marL="0" indent="0">
+              <a:buFont typeface="Arial" panose="020B0604020202020204" pitchFamily="34" charset="0"/>
+              <a:buNone/>
+            </a:pPr>
+            <a:endParaRPr lang="fr-FR" dirty="0"/>
+          </a:p>
+        </p:txBody>
+      </p:sp>
+    </p:spTree>
+    <p:extLst>
+      <p:ext uri="{BB962C8B-B14F-4D97-AF65-F5344CB8AC3E}">
+        <p14:creationId xmlns:p14="http://schemas.microsoft.com/office/powerpoint/2010/main" val="2839192439"/>
+      </p:ext>
+    </p:extLst>
+  </p:cSld>
+  <p:clrMapOvr>
+    <a:masterClrMapping/>
+  </p:clrMapOvr>
+</p:sld>
+</file>
+
+<file path=ppt/slides/slide5.xml><?xml version="1.0" encoding="utf-8"?>
+<p:sld xmlns:a="http://schemas.openxmlformats.org/drawingml/2006/main" xmlns:r="http://schemas.openxmlformats.org/officeDocument/2006/relationships" xmlns:p="http://schemas.openxmlformats.org/presentationml/2006/main">
+  <p:cSld>
+    <p:spTree>
+      <p:nvGrpSpPr>
+        <p:cNvPr id="1" name=""/>
+        <p:cNvGrpSpPr/>
+        <p:nvPr/>
+      </p:nvGrpSpPr>
+      <p:grpSpPr>
+        <a:xfrm>
+          <a:off x="0" y="0"/>
+          <a:ext cx="0" cy="0"/>
+          <a:chOff x="0" y="0"/>
+          <a:chExt cx="0" cy="0"/>
+        </a:xfrm>
+      </p:grpSpPr>
+      <p:sp>
+        <p:nvSpPr>
+          <p:cNvPr id="2" name="Titre 1">
+            <a:extLst>
+              <a:ext uri="{FF2B5EF4-FFF2-40B4-BE49-F238E27FC236}">
+                <a16:creationId xmlns:a16="http://schemas.microsoft.com/office/drawing/2014/main" id="{AC77B1FC-219A-411B-9B17-A80E88A6F225}"/>
+              </a:ext>
+            </a:extLst>
+          </p:cNvPr>
+          <p:cNvSpPr>
+            <a:spLocks noGrp="1"/>
+          </p:cNvSpPr>
+          <p:nvPr>
+            <p:ph type="title"/>
+          </p:nvPr>
+        </p:nvSpPr>
+        <p:spPr/>
+        <p:txBody>
+          <a:bodyPr/>
+          <a:lstStyle/>
+          <a:p>
+            <a:endParaRPr lang="fr-FR" dirty="0"/>
+          </a:p>
+        </p:txBody>
+      </p:sp>
+      <p:sp>
+        <p:nvSpPr>
+          <p:cNvPr id="3" name="Espace réservé du contenu 2">
+            <a:extLst>
+              <a:ext uri="{FF2B5EF4-FFF2-40B4-BE49-F238E27FC236}">
+                <a16:creationId xmlns:a16="http://schemas.microsoft.com/office/drawing/2014/main" id="{3D9EDF48-D9D7-4D7D-B2BA-F1764BDFAAFB}"/>
+              </a:ext>
+            </a:extLst>
+          </p:cNvPr>
+          <p:cNvSpPr>
+            <a:spLocks noGrp="1"/>
+          </p:cNvSpPr>
+          <p:nvPr>
+            <p:ph idx="1"/>
+          </p:nvPr>
+        </p:nvSpPr>
+        <p:spPr/>
+        <p:txBody>
+          <a:bodyPr>
+            <a:normAutofit/>
+          </a:bodyPr>
+          <a:lstStyle/>
+          <a:p>
+            <a:r>
+              <a:rPr lang="fr-FR" dirty="0"/>
+              <a:t>Création des </a:t>
+            </a:r>
+            <a:r>
+              <a:rPr lang="fr-FR" dirty="0" err="1"/>
+              <a:t>eleves</a:t>
+            </a:r>
+            <a:endParaRPr lang="fr-FR" dirty="0"/>
+          </a:p>
+          <a:p>
+            <a:pPr lvl="1"/>
+            <a:r>
+              <a:rPr lang="fr-FR" dirty="0"/>
+              <a:t>A partir des fichiers </a:t>
+            </a:r>
+            <a:r>
+              <a:rPr lang="fr-FR" dirty="0" err="1"/>
+              <a:t>excel</a:t>
+            </a:r>
+            <a:r>
+              <a:rPr lang="fr-FR" dirty="0"/>
+              <a:t> de résultats &gt;&gt; plus facile a </a:t>
+            </a:r>
+            <a:r>
+              <a:rPr lang="fr-FR" dirty="0" err="1"/>
+              <a:t>recupére</a:t>
+            </a:r>
+            <a:endParaRPr lang="fr-FR" dirty="0"/>
+          </a:p>
+          <a:p>
+            <a:pPr lvl="1"/>
+            <a:r>
+              <a:rPr lang="fr-FR" dirty="0"/>
+              <a:t>Il faut l’</a:t>
+            </a:r>
+            <a:r>
+              <a:rPr lang="fr-FR" dirty="0" err="1"/>
+              <a:t>eleve</a:t>
+            </a:r>
+            <a:endParaRPr lang="fr-FR" dirty="0"/>
+          </a:p>
+          <a:p>
+            <a:pPr lvl="1"/>
+            <a:r>
+              <a:rPr lang="fr-FR" dirty="0"/>
+              <a:t>Le </a:t>
+            </a:r>
+            <a:r>
+              <a:rPr lang="fr-FR" dirty="0" err="1"/>
+              <a:t>numero</a:t>
+            </a:r>
+            <a:r>
+              <a:rPr lang="fr-FR" dirty="0"/>
+              <a:t> </a:t>
+            </a:r>
+            <a:r>
+              <a:rPr lang="fr-FR" dirty="0" err="1"/>
+              <a:t>scei</a:t>
+            </a:r>
+            <a:endParaRPr lang="fr-FR" dirty="0"/>
+          </a:p>
+          <a:p>
+            <a:pPr lvl="1"/>
+            <a:endParaRPr lang="fr-FR" dirty="0"/>
+          </a:p>
+          <a:p>
+            <a:r>
+              <a:rPr lang="fr-FR" dirty="0"/>
+              <a:t>Inscription des élèves au concours :</a:t>
+            </a:r>
+          </a:p>
+          <a:p>
+            <a:pPr lvl="1"/>
+            <a:r>
+              <a:rPr lang="fr-FR" dirty="0"/>
+              <a:t>A partir des fichiers de résultats aux écrits</a:t>
+            </a:r>
+          </a:p>
+          <a:p>
+            <a:pPr lvl="2"/>
+            <a:r>
+              <a:rPr lang="fr-FR" dirty="0"/>
+              <a:t>Pour certaines banques inscription banque &gt;&gt; Inscription à chacune des écoles de la banque</a:t>
+            </a:r>
+          </a:p>
+          <a:p>
+            <a:pPr lvl="2"/>
+            <a:r>
+              <a:rPr lang="fr-FR" dirty="0"/>
+              <a:t>Sinon inscription par école</a:t>
+            </a:r>
+          </a:p>
+        </p:txBody>
+      </p:sp>
+    </p:spTree>
+    <p:extLst>
+      <p:ext uri="{BB962C8B-B14F-4D97-AF65-F5344CB8AC3E}">
+        <p14:creationId xmlns:p14="http://schemas.microsoft.com/office/powerpoint/2010/main" val="3531303179"/>
+      </p:ext>
+    </p:extLst>
+  </p:cSld>
+  <p:clrMapOvr>
+    <a:masterClrMapping/>
+  </p:clrMapOvr>
+</p:sld>
+</file>
+
 <file path=ppt/theme/theme1.xml><?xml version="1.0" encoding="utf-8"?>
 <a:theme xmlns:a="http://schemas.openxmlformats.org/drawingml/2006/main" name="Thème Office">
   <a:themeElements>

--- a/BilanConcours/Besoin.pptx
+++ b/BilanConcours/Besoin.pptx
@@ -274,7 +274,7 @@
           <a:p>
             <a:fld id="{03335F77-ED5B-4326-B19B-ED96FEEFE050}" type="datetimeFigureOut">
               <a:rPr lang="fr-FR" smtClean="0"/>
-              <a:t>12/01/2022</a:t>
+              <a:t>13/01/2022</a:t>
             </a:fld>
             <a:endParaRPr lang="fr-FR"/>
           </a:p>
@@ -472,7 +472,7 @@
           <a:p>
             <a:fld id="{03335F77-ED5B-4326-B19B-ED96FEEFE050}" type="datetimeFigureOut">
               <a:rPr lang="fr-FR" smtClean="0"/>
-              <a:t>12/01/2022</a:t>
+              <a:t>13/01/2022</a:t>
             </a:fld>
             <a:endParaRPr lang="fr-FR"/>
           </a:p>
@@ -680,7 +680,7 @@
           <a:p>
             <a:fld id="{03335F77-ED5B-4326-B19B-ED96FEEFE050}" type="datetimeFigureOut">
               <a:rPr lang="fr-FR" smtClean="0"/>
-              <a:t>12/01/2022</a:t>
+              <a:t>13/01/2022</a:t>
             </a:fld>
             <a:endParaRPr lang="fr-FR"/>
           </a:p>
@@ -878,7 +878,7 @@
           <a:p>
             <a:fld id="{03335F77-ED5B-4326-B19B-ED96FEEFE050}" type="datetimeFigureOut">
               <a:rPr lang="fr-FR" smtClean="0"/>
-              <a:t>12/01/2022</a:t>
+              <a:t>13/01/2022</a:t>
             </a:fld>
             <a:endParaRPr lang="fr-FR"/>
           </a:p>
@@ -1153,7 +1153,7 @@
           <a:p>
             <a:fld id="{03335F77-ED5B-4326-B19B-ED96FEEFE050}" type="datetimeFigureOut">
               <a:rPr lang="fr-FR" smtClean="0"/>
-              <a:t>12/01/2022</a:t>
+              <a:t>13/01/2022</a:t>
             </a:fld>
             <a:endParaRPr lang="fr-FR"/>
           </a:p>
@@ -1418,7 +1418,7 @@
           <a:p>
             <a:fld id="{03335F77-ED5B-4326-B19B-ED96FEEFE050}" type="datetimeFigureOut">
               <a:rPr lang="fr-FR" smtClean="0"/>
-              <a:t>12/01/2022</a:t>
+              <a:t>13/01/2022</a:t>
             </a:fld>
             <a:endParaRPr lang="fr-FR"/>
           </a:p>
@@ -1830,7 +1830,7 @@
           <a:p>
             <a:fld id="{03335F77-ED5B-4326-B19B-ED96FEEFE050}" type="datetimeFigureOut">
               <a:rPr lang="fr-FR" smtClean="0"/>
-              <a:t>12/01/2022</a:t>
+              <a:t>13/01/2022</a:t>
             </a:fld>
             <a:endParaRPr lang="fr-FR"/>
           </a:p>
@@ -1971,7 +1971,7 @@
           <a:p>
             <a:fld id="{03335F77-ED5B-4326-B19B-ED96FEEFE050}" type="datetimeFigureOut">
               <a:rPr lang="fr-FR" smtClean="0"/>
-              <a:t>12/01/2022</a:t>
+              <a:t>13/01/2022</a:t>
             </a:fld>
             <a:endParaRPr lang="fr-FR"/>
           </a:p>
@@ -2084,7 +2084,7 @@
           <a:p>
             <a:fld id="{03335F77-ED5B-4326-B19B-ED96FEEFE050}" type="datetimeFigureOut">
               <a:rPr lang="fr-FR" smtClean="0"/>
-              <a:t>12/01/2022</a:t>
+              <a:t>13/01/2022</a:t>
             </a:fld>
             <a:endParaRPr lang="fr-FR"/>
           </a:p>
@@ -2395,7 +2395,7 @@
           <a:p>
             <a:fld id="{03335F77-ED5B-4326-B19B-ED96FEEFE050}" type="datetimeFigureOut">
               <a:rPr lang="fr-FR" smtClean="0"/>
-              <a:t>12/01/2022</a:t>
+              <a:t>13/01/2022</a:t>
             </a:fld>
             <a:endParaRPr lang="fr-FR"/>
           </a:p>
@@ -2683,7 +2683,7 @@
           <a:p>
             <a:fld id="{03335F77-ED5B-4326-B19B-ED96FEEFE050}" type="datetimeFigureOut">
               <a:rPr lang="fr-FR" smtClean="0"/>
-              <a:t>12/01/2022</a:t>
+              <a:t>13/01/2022</a:t>
             </a:fld>
             <a:endParaRPr lang="fr-FR"/>
           </a:p>
@@ -2924,7 +2924,7 @@
           <a:p>
             <a:fld id="{03335F77-ED5B-4326-B19B-ED96FEEFE050}" type="datetimeFigureOut">
               <a:rPr lang="fr-FR" smtClean="0"/>
-              <a:t>12/01/2022</a:t>
+              <a:t>13/01/2022</a:t>
             </a:fld>
             <a:endParaRPr lang="fr-FR"/>
           </a:p>
@@ -3911,7 +3911,7 @@
         <p:spPr>
           <a:xfrm>
             <a:off x="5802085" y="573768"/>
-            <a:ext cx="4060371" cy="4351338"/>
+            <a:ext cx="5464629" cy="4351338"/>
           </a:xfrm>
           <a:prstGeom prst="rect">
             <a:avLst/>
@@ -3919,7 +3919,7 @@
         </p:spPr>
         <p:txBody>
           <a:bodyPr vert="horz" lIns="91440" tIns="45720" rIns="91440" bIns="45720" rtlCol="0">
-            <a:normAutofit fontScale="40000" lnSpcReduction="20000"/>
+            <a:normAutofit fontScale="47500" lnSpcReduction="20000"/>
           </a:bodyPr>
           <a:lstStyle>
             <a:lvl1pPr marL="228600" indent="-228600" algn="l" defTabSz="914400" rtl="0" eaLnBrk="1" latinLnBrk="0" hangingPunct="1">
@@ -4200,10 +4200,9 @@
           <a:p>
             <a:pPr lvl="1"/>
             <a:r>
-              <a:rPr lang="fr-FR"/>
+              <a:rPr lang="fr-FR" dirty="0"/>
               <a:t>barres</a:t>
             </a:r>
-            <a:endParaRPr lang="fr-FR" dirty="0"/>
           </a:p>
           <a:p>
             <a:endParaRPr lang="fr-FR" dirty="0"/>

--- a/BilanConcours/Besoin.pptx
+++ b/BilanConcours/Besoin.pptx
@@ -7,9 +7,11 @@
   <p:sldIdLst>
     <p:sldId id="256" r:id="rId2"/>
     <p:sldId id="257" r:id="rId3"/>
-    <p:sldId id="258" r:id="rId4"/>
-    <p:sldId id="259" r:id="rId5"/>
-    <p:sldId id="260" r:id="rId6"/>
+    <p:sldId id="261" r:id="rId4"/>
+    <p:sldId id="262" r:id="rId5"/>
+    <p:sldId id="258" r:id="rId6"/>
+    <p:sldId id="259" r:id="rId7"/>
+    <p:sldId id="260" r:id="rId8"/>
   </p:sldIdLst>
   <p:sldSz cx="12192000" cy="6858000"/>
   <p:notesSz cx="6858000" cy="9144000"/>
@@ -3552,6 +3554,3947 @@
           <p:cNvPr id="2" name="Titre 1">
             <a:extLst>
               <a:ext uri="{FF2B5EF4-FFF2-40B4-BE49-F238E27FC236}">
+                <a16:creationId xmlns:a16="http://schemas.microsoft.com/office/drawing/2014/main" id="{AF8003BB-5084-4ADD-A368-668D047B3C43}"/>
+              </a:ext>
+            </a:extLst>
+          </p:cNvPr>
+          <p:cNvSpPr>
+            <a:spLocks noGrp="1"/>
+          </p:cNvSpPr>
+          <p:nvPr>
+            <p:ph type="title"/>
+          </p:nvPr>
+        </p:nvSpPr>
+        <p:spPr/>
+        <p:txBody>
+          <a:bodyPr/>
+          <a:lstStyle/>
+          <a:p>
+            <a:r>
+              <a:rPr lang="fr-FR" dirty="0"/>
+              <a:t>Bilan classe admissibilité</a:t>
+            </a:r>
+          </a:p>
+        </p:txBody>
+      </p:sp>
+      <p:graphicFrame>
+        <p:nvGraphicFramePr>
+          <p:cNvPr id="4" name="Tableau 4">
+            <a:extLst>
+              <a:ext uri="{FF2B5EF4-FFF2-40B4-BE49-F238E27FC236}">
+                <a16:creationId xmlns:a16="http://schemas.microsoft.com/office/drawing/2014/main" id="{4F5BB7C9-34AD-4C9F-8588-229EE44F00BF}"/>
+              </a:ext>
+            </a:extLst>
+          </p:cNvPr>
+          <p:cNvGraphicFramePr>
+            <a:graphicFrameLocks noGrp="1"/>
+          </p:cNvGraphicFramePr>
+          <p:nvPr>
+            <p:ph idx="1"/>
+            <p:extLst>
+              <p:ext uri="{D42A27DB-BD31-4B8C-83A1-F6EECF244321}">
+                <p14:modId xmlns:p14="http://schemas.microsoft.com/office/powerpoint/2010/main" val="1091305086"/>
+              </p:ext>
+            </p:extLst>
+          </p:nvPr>
+        </p:nvGraphicFramePr>
+        <p:xfrm>
+          <a:off x="838200" y="1237796"/>
+          <a:ext cx="10515600" cy="2397760"/>
+        </p:xfrm>
+        <a:graphic>
+          <a:graphicData uri="http://schemas.openxmlformats.org/drawingml/2006/table">
+            <a:tbl>
+              <a:tblPr firstRow="1" bandRow="1">
+                <a:tableStyleId>{5C22544A-7EE6-4342-B048-85BDC9FD1C3A}</a:tableStyleId>
+              </a:tblPr>
+              <a:tblGrid>
+                <a:gridCol w="2103120">
+                  <a:extLst>
+                    <a:ext uri="{9D8B030D-6E8A-4147-A177-3AD203B41FA5}">
+                      <a16:colId xmlns:a16="http://schemas.microsoft.com/office/drawing/2014/main" val="418278497"/>
+                    </a:ext>
+                  </a:extLst>
+                </a:gridCol>
+                <a:gridCol w="2103120">
+                  <a:extLst>
+                    <a:ext uri="{9D8B030D-6E8A-4147-A177-3AD203B41FA5}">
+                      <a16:colId xmlns:a16="http://schemas.microsoft.com/office/drawing/2014/main" val="2125263823"/>
+                    </a:ext>
+                  </a:extLst>
+                </a:gridCol>
+                <a:gridCol w="2103120">
+                  <a:extLst>
+                    <a:ext uri="{9D8B030D-6E8A-4147-A177-3AD203B41FA5}">
+                      <a16:colId xmlns:a16="http://schemas.microsoft.com/office/drawing/2014/main" val="26439176"/>
+                    </a:ext>
+                  </a:extLst>
+                </a:gridCol>
+                <a:gridCol w="2103120">
+                  <a:extLst>
+                    <a:ext uri="{9D8B030D-6E8A-4147-A177-3AD203B41FA5}">
+                      <a16:colId xmlns:a16="http://schemas.microsoft.com/office/drawing/2014/main" val="1798632382"/>
+                    </a:ext>
+                  </a:extLst>
+                </a:gridCol>
+                <a:gridCol w="2103120">
+                  <a:extLst>
+                    <a:ext uri="{9D8B030D-6E8A-4147-A177-3AD203B41FA5}">
+                      <a16:colId xmlns:a16="http://schemas.microsoft.com/office/drawing/2014/main" val="376802828"/>
+                    </a:ext>
+                  </a:extLst>
+                </a:gridCol>
+              </a:tblGrid>
+              <a:tr h="370840">
+                <a:tc>
+                  <a:txBody>
+                    <a:bodyPr/>
+                    <a:lstStyle/>
+                    <a:p>
+                      <a:endParaRPr lang="fr-FR" dirty="0">
+                        <a:solidFill>
+                          <a:schemeClr val="tx1"/>
+                        </a:solidFill>
+                      </a:endParaRPr>
+                    </a:p>
+                  </a:txBody>
+                  <a:tcPr>
+                    <a:lnL w="12700" cap="flat" cmpd="sng" algn="ctr">
+                      <a:solidFill>
+                        <a:schemeClr val="tx1"/>
+                      </a:solidFill>
+                      <a:prstDash val="solid"/>
+                      <a:round/>
+                      <a:headEnd type="none" w="med" len="med"/>
+                      <a:tailEnd type="none" w="med" len="med"/>
+                    </a:lnL>
+                    <a:lnR w="12700" cap="flat" cmpd="sng" algn="ctr">
+                      <a:solidFill>
+                        <a:schemeClr val="tx1"/>
+                      </a:solidFill>
+                      <a:prstDash val="solid"/>
+                      <a:round/>
+                      <a:headEnd type="none" w="med" len="med"/>
+                      <a:tailEnd type="none" w="med" len="med"/>
+                    </a:lnR>
+                    <a:lnT w="12700" cap="flat" cmpd="sng" algn="ctr">
+                      <a:solidFill>
+                        <a:schemeClr val="tx1"/>
+                      </a:solidFill>
+                      <a:prstDash val="solid"/>
+                      <a:round/>
+                      <a:headEnd type="none" w="med" len="med"/>
+                      <a:tailEnd type="none" w="med" len="med"/>
+                    </a:lnT>
+                    <a:lnB w="12700" cap="flat" cmpd="sng" algn="ctr">
+                      <a:solidFill>
+                        <a:schemeClr val="tx1"/>
+                      </a:solidFill>
+                      <a:prstDash val="solid"/>
+                      <a:round/>
+                      <a:headEnd type="none" w="med" len="med"/>
+                      <a:tailEnd type="none" w="med" len="med"/>
+                    </a:lnB>
+                    <a:lnTlToBr w="12700" cmpd="sng">
+                      <a:noFill/>
+                      <a:prstDash val="solid"/>
+                    </a:lnTlToBr>
+                    <a:lnBlToTr w="12700" cmpd="sng">
+                      <a:noFill/>
+                      <a:prstDash val="solid"/>
+                    </a:lnBlToTr>
+                    <a:noFill/>
+                  </a:tcPr>
+                </a:tc>
+                <a:tc>
+                  <a:txBody>
+                    <a:bodyPr/>
+                    <a:lstStyle/>
+                    <a:p>
+                      <a:r>
+                        <a:rPr lang="fr-FR" dirty="0" err="1">
+                          <a:solidFill>
+                            <a:schemeClr val="tx1"/>
+                          </a:solidFill>
+                        </a:rPr>
+                        <a:t>MinesPonts</a:t>
+                      </a:r>
+                      <a:endParaRPr lang="fr-FR" dirty="0">
+                        <a:solidFill>
+                          <a:schemeClr val="tx1"/>
+                        </a:solidFill>
+                      </a:endParaRPr>
+                    </a:p>
+                  </a:txBody>
+                  <a:tcPr>
+                    <a:lnL w="12700" cap="flat" cmpd="sng" algn="ctr">
+                      <a:solidFill>
+                        <a:schemeClr val="tx1"/>
+                      </a:solidFill>
+                      <a:prstDash val="solid"/>
+                      <a:round/>
+                      <a:headEnd type="none" w="med" len="med"/>
+                      <a:tailEnd type="none" w="med" len="med"/>
+                    </a:lnL>
+                    <a:lnR w="12700" cap="flat" cmpd="sng" algn="ctr">
+                      <a:solidFill>
+                        <a:schemeClr val="tx1"/>
+                      </a:solidFill>
+                      <a:prstDash val="solid"/>
+                      <a:round/>
+                      <a:headEnd type="none" w="med" len="med"/>
+                      <a:tailEnd type="none" w="med" len="med"/>
+                    </a:lnR>
+                    <a:lnT w="12700" cap="flat" cmpd="sng" algn="ctr">
+                      <a:solidFill>
+                        <a:schemeClr val="tx1"/>
+                      </a:solidFill>
+                      <a:prstDash val="solid"/>
+                      <a:round/>
+                      <a:headEnd type="none" w="med" len="med"/>
+                      <a:tailEnd type="none" w="med" len="med"/>
+                    </a:lnT>
+                    <a:lnB w="12700" cap="flat" cmpd="sng" algn="ctr">
+                      <a:solidFill>
+                        <a:schemeClr val="tx1"/>
+                      </a:solidFill>
+                      <a:prstDash val="solid"/>
+                      <a:round/>
+                      <a:headEnd type="none" w="med" len="med"/>
+                      <a:tailEnd type="none" w="med" len="med"/>
+                    </a:lnB>
+                    <a:lnTlToBr w="12700" cmpd="sng">
+                      <a:noFill/>
+                      <a:prstDash val="solid"/>
+                    </a:lnTlToBr>
+                    <a:lnBlToTr w="12700" cmpd="sng">
+                      <a:noFill/>
+                      <a:prstDash val="solid"/>
+                    </a:lnBlToTr>
+                    <a:noFill/>
+                  </a:tcPr>
+                </a:tc>
+                <a:tc>
+                  <a:txBody>
+                    <a:bodyPr/>
+                    <a:lstStyle/>
+                    <a:p>
+                      <a:r>
+                        <a:rPr lang="fr-FR" dirty="0" err="1">
+                          <a:solidFill>
+                            <a:schemeClr val="tx1"/>
+                          </a:solidFill>
+                        </a:rPr>
+                        <a:t>BanqueCentrale</a:t>
+                      </a:r>
+                      <a:endParaRPr lang="fr-FR" dirty="0">
+                        <a:solidFill>
+                          <a:schemeClr val="tx1"/>
+                        </a:solidFill>
+                      </a:endParaRPr>
+                    </a:p>
+                  </a:txBody>
+                  <a:tcPr>
+                    <a:lnL w="12700" cap="flat" cmpd="sng" algn="ctr">
+                      <a:solidFill>
+                        <a:schemeClr val="tx1"/>
+                      </a:solidFill>
+                      <a:prstDash val="solid"/>
+                      <a:round/>
+                      <a:headEnd type="none" w="med" len="med"/>
+                      <a:tailEnd type="none" w="med" len="med"/>
+                    </a:lnL>
+                    <a:lnR w="12700" cap="flat" cmpd="sng" algn="ctr">
+                      <a:solidFill>
+                        <a:schemeClr val="tx1"/>
+                      </a:solidFill>
+                      <a:prstDash val="solid"/>
+                      <a:round/>
+                      <a:headEnd type="none" w="med" len="med"/>
+                      <a:tailEnd type="none" w="med" len="med"/>
+                    </a:lnR>
+                    <a:lnT w="12700" cap="flat" cmpd="sng" algn="ctr">
+                      <a:solidFill>
+                        <a:schemeClr val="tx1"/>
+                      </a:solidFill>
+                      <a:prstDash val="solid"/>
+                      <a:round/>
+                      <a:headEnd type="none" w="med" len="med"/>
+                      <a:tailEnd type="none" w="med" len="med"/>
+                    </a:lnT>
+                    <a:lnB w="12700" cap="flat" cmpd="sng" algn="ctr">
+                      <a:solidFill>
+                        <a:schemeClr val="tx1"/>
+                      </a:solidFill>
+                      <a:prstDash val="solid"/>
+                      <a:round/>
+                      <a:headEnd type="none" w="med" len="med"/>
+                      <a:tailEnd type="none" w="med" len="med"/>
+                    </a:lnB>
+                    <a:lnTlToBr w="12700" cmpd="sng">
+                      <a:noFill/>
+                      <a:prstDash val="solid"/>
+                    </a:lnTlToBr>
+                    <a:lnBlToTr w="12700" cmpd="sng">
+                      <a:noFill/>
+                      <a:prstDash val="solid"/>
+                    </a:lnBlToTr>
+                    <a:noFill/>
+                  </a:tcPr>
+                </a:tc>
+                <a:tc>
+                  <a:txBody>
+                    <a:bodyPr/>
+                    <a:lstStyle/>
+                    <a:p>
+                      <a:r>
+                        <a:rPr lang="fr-FR" dirty="0" err="1">
+                          <a:solidFill>
+                            <a:schemeClr val="tx1"/>
+                          </a:solidFill>
+                        </a:rPr>
+                        <a:t>CCINP</a:t>
+                      </a:r>
+                      <a:endParaRPr lang="fr-FR" dirty="0">
+                        <a:solidFill>
+                          <a:schemeClr val="tx1"/>
+                        </a:solidFill>
+                      </a:endParaRPr>
+                    </a:p>
+                  </a:txBody>
+                  <a:tcPr>
+                    <a:lnL w="12700" cap="flat" cmpd="sng" algn="ctr">
+                      <a:solidFill>
+                        <a:schemeClr val="tx1"/>
+                      </a:solidFill>
+                      <a:prstDash val="solid"/>
+                      <a:round/>
+                      <a:headEnd type="none" w="med" len="med"/>
+                      <a:tailEnd type="none" w="med" len="med"/>
+                    </a:lnL>
+                    <a:lnR w="12700" cap="flat" cmpd="sng" algn="ctr">
+                      <a:solidFill>
+                        <a:schemeClr val="tx1"/>
+                      </a:solidFill>
+                      <a:prstDash val="solid"/>
+                      <a:round/>
+                      <a:headEnd type="none" w="med" len="med"/>
+                      <a:tailEnd type="none" w="med" len="med"/>
+                    </a:lnR>
+                    <a:lnT w="12700" cap="flat" cmpd="sng" algn="ctr">
+                      <a:solidFill>
+                        <a:schemeClr val="tx1"/>
+                      </a:solidFill>
+                      <a:prstDash val="solid"/>
+                      <a:round/>
+                      <a:headEnd type="none" w="med" len="med"/>
+                      <a:tailEnd type="none" w="med" len="med"/>
+                    </a:lnT>
+                    <a:lnB w="12700" cap="flat" cmpd="sng" algn="ctr">
+                      <a:solidFill>
+                        <a:schemeClr val="tx1"/>
+                      </a:solidFill>
+                      <a:prstDash val="solid"/>
+                      <a:round/>
+                      <a:headEnd type="none" w="med" len="med"/>
+                      <a:tailEnd type="none" w="med" len="med"/>
+                    </a:lnB>
+                    <a:lnTlToBr w="12700" cmpd="sng">
+                      <a:noFill/>
+                      <a:prstDash val="solid"/>
+                    </a:lnTlToBr>
+                    <a:lnBlToTr w="12700" cmpd="sng">
+                      <a:noFill/>
+                      <a:prstDash val="solid"/>
+                    </a:lnBlToTr>
+                    <a:noFill/>
+                  </a:tcPr>
+                </a:tc>
+                <a:tc>
+                  <a:txBody>
+                    <a:bodyPr/>
+                    <a:lstStyle/>
+                    <a:p>
+                      <a:r>
+                        <a:rPr lang="fr-FR" dirty="0">
+                          <a:solidFill>
+                            <a:schemeClr val="tx1"/>
+                          </a:solidFill>
+                        </a:rPr>
+                        <a:t>Ecoles A</a:t>
+                      </a:r>
+                    </a:p>
+                  </a:txBody>
+                  <a:tcPr>
+                    <a:lnL w="12700" cap="flat" cmpd="sng" algn="ctr">
+                      <a:solidFill>
+                        <a:schemeClr val="tx1"/>
+                      </a:solidFill>
+                      <a:prstDash val="solid"/>
+                      <a:round/>
+                      <a:headEnd type="none" w="med" len="med"/>
+                      <a:tailEnd type="none" w="med" len="med"/>
+                    </a:lnL>
+                    <a:lnR w="12700" cap="flat" cmpd="sng" algn="ctr">
+                      <a:solidFill>
+                        <a:schemeClr val="tx1"/>
+                      </a:solidFill>
+                      <a:prstDash val="solid"/>
+                      <a:round/>
+                      <a:headEnd type="none" w="med" len="med"/>
+                      <a:tailEnd type="none" w="med" len="med"/>
+                    </a:lnR>
+                    <a:lnT w="12700" cap="flat" cmpd="sng" algn="ctr">
+                      <a:solidFill>
+                        <a:schemeClr val="tx1"/>
+                      </a:solidFill>
+                      <a:prstDash val="solid"/>
+                      <a:round/>
+                      <a:headEnd type="none" w="med" len="med"/>
+                      <a:tailEnd type="none" w="med" len="med"/>
+                    </a:lnT>
+                    <a:lnB w="12700" cap="flat" cmpd="sng" algn="ctr">
+                      <a:solidFill>
+                        <a:schemeClr val="tx1"/>
+                      </a:solidFill>
+                      <a:prstDash val="solid"/>
+                      <a:round/>
+                      <a:headEnd type="none" w="med" len="med"/>
+                      <a:tailEnd type="none" w="med" len="med"/>
+                    </a:lnB>
+                    <a:lnTlToBr w="12700" cmpd="sng">
+                      <a:noFill/>
+                      <a:prstDash val="solid"/>
+                    </a:lnTlToBr>
+                    <a:lnBlToTr w="12700" cmpd="sng">
+                      <a:noFill/>
+                      <a:prstDash val="solid"/>
+                    </a:lnBlToTr>
+                    <a:noFill/>
+                  </a:tcPr>
+                </a:tc>
+                <a:extLst>
+                  <a:ext uri="{0D108BD9-81ED-4DB2-BD59-A6C34878D82A}">
+                    <a16:rowId xmlns:a16="http://schemas.microsoft.com/office/drawing/2014/main" val="2079148919"/>
+                  </a:ext>
+                </a:extLst>
+              </a:tr>
+              <a:tr h="370840">
+                <a:tc>
+                  <a:txBody>
+                    <a:bodyPr/>
+                    <a:lstStyle/>
+                    <a:p>
+                      <a:r>
+                        <a:rPr lang="fr-FR" dirty="0" err="1"/>
+                        <a:t>Eleve</a:t>
+                      </a:r>
+                      <a:r>
+                        <a:rPr lang="fr-FR" dirty="0"/>
+                        <a:t> 1</a:t>
+                      </a:r>
+                    </a:p>
+                  </a:txBody>
+                  <a:tcPr>
+                    <a:lnL w="12700" cap="flat" cmpd="sng" algn="ctr">
+                      <a:solidFill>
+                        <a:schemeClr val="tx1"/>
+                      </a:solidFill>
+                      <a:prstDash val="solid"/>
+                      <a:round/>
+                      <a:headEnd type="none" w="med" len="med"/>
+                      <a:tailEnd type="none" w="med" len="med"/>
+                    </a:lnL>
+                    <a:lnR w="12700" cap="flat" cmpd="sng" algn="ctr">
+                      <a:solidFill>
+                        <a:schemeClr val="tx1"/>
+                      </a:solidFill>
+                      <a:prstDash val="solid"/>
+                      <a:round/>
+                      <a:headEnd type="none" w="med" len="med"/>
+                      <a:tailEnd type="none" w="med" len="med"/>
+                    </a:lnR>
+                    <a:lnT w="12700" cap="flat" cmpd="sng" algn="ctr">
+                      <a:solidFill>
+                        <a:schemeClr val="tx1"/>
+                      </a:solidFill>
+                      <a:prstDash val="solid"/>
+                      <a:round/>
+                      <a:headEnd type="none" w="med" len="med"/>
+                      <a:tailEnd type="none" w="med" len="med"/>
+                    </a:lnT>
+                    <a:lnB w="12700" cap="flat" cmpd="sng" algn="ctr">
+                      <a:solidFill>
+                        <a:schemeClr val="tx1"/>
+                      </a:solidFill>
+                      <a:prstDash val="solid"/>
+                      <a:round/>
+                      <a:headEnd type="none" w="med" len="med"/>
+                      <a:tailEnd type="none" w="med" len="med"/>
+                    </a:lnB>
+                    <a:lnTlToBr w="12700" cmpd="sng">
+                      <a:noFill/>
+                      <a:prstDash val="solid"/>
+                    </a:lnTlToBr>
+                    <a:lnBlToTr w="12700" cmpd="sng">
+                      <a:noFill/>
+                      <a:prstDash val="solid"/>
+                    </a:lnBlToTr>
+                    <a:noFill/>
+                  </a:tcPr>
+                </a:tc>
+                <a:tc>
+                  <a:txBody>
+                    <a:bodyPr/>
+                    <a:lstStyle/>
+                    <a:p>
+                      <a:r>
+                        <a:rPr lang="fr-FR" dirty="0"/>
+                        <a:t>Admissible (rang)</a:t>
+                      </a:r>
+                    </a:p>
+                  </a:txBody>
+                  <a:tcPr>
+                    <a:lnL w="12700" cap="flat" cmpd="sng" algn="ctr">
+                      <a:solidFill>
+                        <a:schemeClr val="tx1"/>
+                      </a:solidFill>
+                      <a:prstDash val="solid"/>
+                      <a:round/>
+                      <a:headEnd type="none" w="med" len="med"/>
+                      <a:tailEnd type="none" w="med" len="med"/>
+                    </a:lnL>
+                    <a:lnR w="12700" cap="flat" cmpd="sng" algn="ctr">
+                      <a:solidFill>
+                        <a:schemeClr val="tx1"/>
+                      </a:solidFill>
+                      <a:prstDash val="solid"/>
+                      <a:round/>
+                      <a:headEnd type="none" w="med" len="med"/>
+                      <a:tailEnd type="none" w="med" len="med"/>
+                    </a:lnR>
+                    <a:lnT w="12700" cap="flat" cmpd="sng" algn="ctr">
+                      <a:solidFill>
+                        <a:schemeClr val="tx1"/>
+                      </a:solidFill>
+                      <a:prstDash val="solid"/>
+                      <a:round/>
+                      <a:headEnd type="none" w="med" len="med"/>
+                      <a:tailEnd type="none" w="med" len="med"/>
+                    </a:lnT>
+                    <a:lnB w="12700" cap="flat" cmpd="sng" algn="ctr">
+                      <a:solidFill>
+                        <a:schemeClr val="tx1"/>
+                      </a:solidFill>
+                      <a:prstDash val="solid"/>
+                      <a:round/>
+                      <a:headEnd type="none" w="med" len="med"/>
+                      <a:tailEnd type="none" w="med" len="med"/>
+                    </a:lnB>
+                    <a:lnTlToBr w="12700" cmpd="sng">
+                      <a:noFill/>
+                      <a:prstDash val="solid"/>
+                    </a:lnTlToBr>
+                    <a:lnBlToTr w="12700" cmpd="sng">
+                      <a:noFill/>
+                      <a:prstDash val="solid"/>
+                    </a:lnBlToTr>
+                    <a:solidFill>
+                      <a:srgbClr val="92D050"/>
+                    </a:solidFill>
+                  </a:tcPr>
+                </a:tc>
+                <a:tc>
+                  <a:txBody>
+                    <a:bodyPr/>
+                    <a:lstStyle/>
+                    <a:p>
+                      <a:r>
+                        <a:rPr lang="fr-FR" dirty="0"/>
+                        <a:t>Non admissible</a:t>
+                      </a:r>
+                    </a:p>
+                  </a:txBody>
+                  <a:tcPr>
+                    <a:lnL w="12700" cap="flat" cmpd="sng" algn="ctr">
+                      <a:solidFill>
+                        <a:schemeClr val="tx1"/>
+                      </a:solidFill>
+                      <a:prstDash val="solid"/>
+                      <a:round/>
+                      <a:headEnd type="none" w="med" len="med"/>
+                      <a:tailEnd type="none" w="med" len="med"/>
+                    </a:lnL>
+                    <a:lnR w="12700" cap="flat" cmpd="sng" algn="ctr">
+                      <a:solidFill>
+                        <a:schemeClr val="tx1"/>
+                      </a:solidFill>
+                      <a:prstDash val="solid"/>
+                      <a:round/>
+                      <a:headEnd type="none" w="med" len="med"/>
+                      <a:tailEnd type="none" w="med" len="med"/>
+                    </a:lnR>
+                    <a:lnT w="12700" cap="flat" cmpd="sng" algn="ctr">
+                      <a:solidFill>
+                        <a:schemeClr val="tx1"/>
+                      </a:solidFill>
+                      <a:prstDash val="solid"/>
+                      <a:round/>
+                      <a:headEnd type="none" w="med" len="med"/>
+                      <a:tailEnd type="none" w="med" len="med"/>
+                    </a:lnT>
+                    <a:lnB w="12700" cap="flat" cmpd="sng" algn="ctr">
+                      <a:solidFill>
+                        <a:schemeClr val="tx1"/>
+                      </a:solidFill>
+                      <a:prstDash val="solid"/>
+                      <a:round/>
+                      <a:headEnd type="none" w="med" len="med"/>
+                      <a:tailEnd type="none" w="med" len="med"/>
+                    </a:lnB>
+                    <a:lnTlToBr w="12700" cmpd="sng">
+                      <a:noFill/>
+                      <a:prstDash val="solid"/>
+                    </a:lnTlToBr>
+                    <a:lnBlToTr w="12700" cmpd="sng">
+                      <a:noFill/>
+                      <a:prstDash val="solid"/>
+                    </a:lnBlToTr>
+                    <a:solidFill>
+                      <a:srgbClr val="FF0000"/>
+                    </a:solidFill>
+                  </a:tcPr>
+                </a:tc>
+                <a:tc>
+                  <a:txBody>
+                    <a:bodyPr/>
+                    <a:lstStyle/>
+                    <a:p>
+                      <a:r>
+                        <a:rPr lang="fr-FR" dirty="0"/>
+                        <a:t>Non présenté</a:t>
+                      </a:r>
+                    </a:p>
+                  </a:txBody>
+                  <a:tcPr>
+                    <a:lnL w="12700" cap="flat" cmpd="sng" algn="ctr">
+                      <a:solidFill>
+                        <a:schemeClr val="tx1"/>
+                      </a:solidFill>
+                      <a:prstDash val="solid"/>
+                      <a:round/>
+                      <a:headEnd type="none" w="med" len="med"/>
+                      <a:tailEnd type="none" w="med" len="med"/>
+                    </a:lnL>
+                    <a:lnR w="12700" cap="flat" cmpd="sng" algn="ctr">
+                      <a:solidFill>
+                        <a:schemeClr val="tx1"/>
+                      </a:solidFill>
+                      <a:prstDash val="solid"/>
+                      <a:round/>
+                      <a:headEnd type="none" w="med" len="med"/>
+                      <a:tailEnd type="none" w="med" len="med"/>
+                    </a:lnR>
+                    <a:lnT w="12700" cap="flat" cmpd="sng" algn="ctr">
+                      <a:solidFill>
+                        <a:schemeClr val="tx1"/>
+                      </a:solidFill>
+                      <a:prstDash val="solid"/>
+                      <a:round/>
+                      <a:headEnd type="none" w="med" len="med"/>
+                      <a:tailEnd type="none" w="med" len="med"/>
+                    </a:lnT>
+                    <a:lnB w="12700" cap="flat" cmpd="sng" algn="ctr">
+                      <a:solidFill>
+                        <a:schemeClr val="tx1"/>
+                      </a:solidFill>
+                      <a:prstDash val="solid"/>
+                      <a:round/>
+                      <a:headEnd type="none" w="med" len="med"/>
+                      <a:tailEnd type="none" w="med" len="med"/>
+                    </a:lnB>
+                    <a:lnTlToBr w="12700" cmpd="sng">
+                      <a:noFill/>
+                      <a:prstDash val="solid"/>
+                    </a:lnTlToBr>
+                    <a:lnBlToTr w="12700" cmpd="sng">
+                      <a:noFill/>
+                      <a:prstDash val="solid"/>
+                    </a:lnBlToTr>
+                    <a:solidFill>
+                      <a:schemeClr val="bg1"/>
+                    </a:solidFill>
+                  </a:tcPr>
+                </a:tc>
+                <a:tc>
+                  <a:txBody>
+                    <a:bodyPr/>
+                    <a:lstStyle/>
+                    <a:p>
+                      <a:r>
+                        <a:rPr lang="fr-FR" dirty="0"/>
+                        <a:t>Aurait été admissible si présenté (rang)</a:t>
+                      </a:r>
+                    </a:p>
+                  </a:txBody>
+                  <a:tcPr>
+                    <a:lnL w="12700" cap="flat" cmpd="sng" algn="ctr">
+                      <a:solidFill>
+                        <a:schemeClr val="tx1"/>
+                      </a:solidFill>
+                      <a:prstDash val="solid"/>
+                      <a:round/>
+                      <a:headEnd type="none" w="med" len="med"/>
+                      <a:tailEnd type="none" w="med" len="med"/>
+                    </a:lnL>
+                    <a:lnR w="12700" cap="flat" cmpd="sng" algn="ctr">
+                      <a:solidFill>
+                        <a:schemeClr val="tx1"/>
+                      </a:solidFill>
+                      <a:prstDash val="solid"/>
+                      <a:round/>
+                      <a:headEnd type="none" w="med" len="med"/>
+                      <a:tailEnd type="none" w="med" len="med"/>
+                    </a:lnR>
+                    <a:lnT w="12700" cap="flat" cmpd="sng" algn="ctr">
+                      <a:solidFill>
+                        <a:schemeClr val="tx1"/>
+                      </a:solidFill>
+                      <a:prstDash val="solid"/>
+                      <a:round/>
+                      <a:headEnd type="none" w="med" len="med"/>
+                      <a:tailEnd type="none" w="med" len="med"/>
+                    </a:lnT>
+                    <a:lnB w="12700" cap="flat" cmpd="sng" algn="ctr">
+                      <a:solidFill>
+                        <a:schemeClr val="tx1"/>
+                      </a:solidFill>
+                      <a:prstDash val="solid"/>
+                      <a:round/>
+                      <a:headEnd type="none" w="med" len="med"/>
+                      <a:tailEnd type="none" w="med" len="med"/>
+                    </a:lnB>
+                    <a:lnTlToBr w="12700" cmpd="sng">
+                      <a:noFill/>
+                      <a:prstDash val="solid"/>
+                    </a:lnTlToBr>
+                    <a:lnBlToTr w="12700" cmpd="sng">
+                      <a:noFill/>
+                      <a:prstDash val="solid"/>
+                    </a:lnBlToTr>
+                    <a:solidFill>
+                      <a:schemeClr val="accent1">
+                        <a:lumMod val="20000"/>
+                        <a:lumOff val="80000"/>
+                      </a:schemeClr>
+                    </a:solidFill>
+                  </a:tcPr>
+                </a:tc>
+                <a:extLst>
+                  <a:ext uri="{0D108BD9-81ED-4DB2-BD59-A6C34878D82A}">
+                    <a16:rowId xmlns:a16="http://schemas.microsoft.com/office/drawing/2014/main" val="834558588"/>
+                  </a:ext>
+                </a:extLst>
+              </a:tr>
+              <a:tr h="370840">
+                <a:tc>
+                  <a:txBody>
+                    <a:bodyPr/>
+                    <a:lstStyle/>
+                    <a:p>
+                      <a:r>
+                        <a:rPr lang="fr-FR" dirty="0" err="1"/>
+                        <a:t>Eleve</a:t>
+                      </a:r>
+                      <a:r>
+                        <a:rPr lang="fr-FR" dirty="0"/>
+                        <a:t> 2</a:t>
+                      </a:r>
+                    </a:p>
+                  </a:txBody>
+                  <a:tcPr>
+                    <a:lnL w="12700" cap="flat" cmpd="sng" algn="ctr">
+                      <a:solidFill>
+                        <a:schemeClr val="tx1"/>
+                      </a:solidFill>
+                      <a:prstDash val="solid"/>
+                      <a:round/>
+                      <a:headEnd type="none" w="med" len="med"/>
+                      <a:tailEnd type="none" w="med" len="med"/>
+                    </a:lnL>
+                    <a:lnR w="12700" cap="flat" cmpd="sng" algn="ctr">
+                      <a:solidFill>
+                        <a:schemeClr val="tx1"/>
+                      </a:solidFill>
+                      <a:prstDash val="solid"/>
+                      <a:round/>
+                      <a:headEnd type="none" w="med" len="med"/>
+                      <a:tailEnd type="none" w="med" len="med"/>
+                    </a:lnR>
+                    <a:lnT w="12700" cap="flat" cmpd="sng" algn="ctr">
+                      <a:solidFill>
+                        <a:schemeClr val="tx1"/>
+                      </a:solidFill>
+                      <a:prstDash val="solid"/>
+                      <a:round/>
+                      <a:headEnd type="none" w="med" len="med"/>
+                      <a:tailEnd type="none" w="med" len="med"/>
+                    </a:lnT>
+                    <a:lnB w="12700" cap="flat" cmpd="sng" algn="ctr">
+                      <a:solidFill>
+                        <a:schemeClr val="tx1"/>
+                      </a:solidFill>
+                      <a:prstDash val="solid"/>
+                      <a:round/>
+                      <a:headEnd type="none" w="med" len="med"/>
+                      <a:tailEnd type="none" w="med" len="med"/>
+                    </a:lnB>
+                    <a:lnTlToBr w="12700" cmpd="sng">
+                      <a:noFill/>
+                      <a:prstDash val="solid"/>
+                    </a:lnTlToBr>
+                    <a:lnBlToTr w="12700" cmpd="sng">
+                      <a:noFill/>
+                      <a:prstDash val="solid"/>
+                    </a:lnBlToTr>
+                    <a:noFill/>
+                  </a:tcPr>
+                </a:tc>
+                <a:tc>
+                  <a:txBody>
+                    <a:bodyPr/>
+                    <a:lstStyle/>
+                    <a:p>
+                      <a:endParaRPr lang="fr-FR"/>
+                    </a:p>
+                  </a:txBody>
+                  <a:tcPr>
+                    <a:lnL w="12700" cap="flat" cmpd="sng" algn="ctr">
+                      <a:solidFill>
+                        <a:schemeClr val="tx1"/>
+                      </a:solidFill>
+                      <a:prstDash val="solid"/>
+                      <a:round/>
+                      <a:headEnd type="none" w="med" len="med"/>
+                      <a:tailEnd type="none" w="med" len="med"/>
+                    </a:lnL>
+                    <a:lnR w="12700" cap="flat" cmpd="sng" algn="ctr">
+                      <a:solidFill>
+                        <a:schemeClr val="tx1"/>
+                      </a:solidFill>
+                      <a:prstDash val="solid"/>
+                      <a:round/>
+                      <a:headEnd type="none" w="med" len="med"/>
+                      <a:tailEnd type="none" w="med" len="med"/>
+                    </a:lnR>
+                    <a:lnT w="12700" cap="flat" cmpd="sng" algn="ctr">
+                      <a:solidFill>
+                        <a:schemeClr val="tx1"/>
+                      </a:solidFill>
+                      <a:prstDash val="solid"/>
+                      <a:round/>
+                      <a:headEnd type="none" w="med" len="med"/>
+                      <a:tailEnd type="none" w="med" len="med"/>
+                    </a:lnT>
+                    <a:lnB w="12700" cap="flat" cmpd="sng" algn="ctr">
+                      <a:solidFill>
+                        <a:schemeClr val="tx1"/>
+                      </a:solidFill>
+                      <a:prstDash val="solid"/>
+                      <a:round/>
+                      <a:headEnd type="none" w="med" len="med"/>
+                      <a:tailEnd type="none" w="med" len="med"/>
+                    </a:lnB>
+                    <a:lnTlToBr w="12700" cmpd="sng">
+                      <a:noFill/>
+                      <a:prstDash val="solid"/>
+                    </a:lnTlToBr>
+                    <a:lnBlToTr w="12700" cmpd="sng">
+                      <a:noFill/>
+                      <a:prstDash val="solid"/>
+                    </a:lnBlToTr>
+                    <a:noFill/>
+                  </a:tcPr>
+                </a:tc>
+                <a:tc>
+                  <a:txBody>
+                    <a:bodyPr/>
+                    <a:lstStyle/>
+                    <a:p>
+                      <a:endParaRPr lang="fr-FR"/>
+                    </a:p>
+                  </a:txBody>
+                  <a:tcPr>
+                    <a:lnL w="12700" cap="flat" cmpd="sng" algn="ctr">
+                      <a:solidFill>
+                        <a:schemeClr val="tx1"/>
+                      </a:solidFill>
+                      <a:prstDash val="solid"/>
+                      <a:round/>
+                      <a:headEnd type="none" w="med" len="med"/>
+                      <a:tailEnd type="none" w="med" len="med"/>
+                    </a:lnL>
+                    <a:lnR w="12700" cap="flat" cmpd="sng" algn="ctr">
+                      <a:solidFill>
+                        <a:schemeClr val="tx1"/>
+                      </a:solidFill>
+                      <a:prstDash val="solid"/>
+                      <a:round/>
+                      <a:headEnd type="none" w="med" len="med"/>
+                      <a:tailEnd type="none" w="med" len="med"/>
+                    </a:lnR>
+                    <a:lnT w="12700" cap="flat" cmpd="sng" algn="ctr">
+                      <a:solidFill>
+                        <a:schemeClr val="tx1"/>
+                      </a:solidFill>
+                      <a:prstDash val="solid"/>
+                      <a:round/>
+                      <a:headEnd type="none" w="med" len="med"/>
+                      <a:tailEnd type="none" w="med" len="med"/>
+                    </a:lnT>
+                    <a:lnB w="12700" cap="flat" cmpd="sng" algn="ctr">
+                      <a:solidFill>
+                        <a:schemeClr val="tx1"/>
+                      </a:solidFill>
+                      <a:prstDash val="solid"/>
+                      <a:round/>
+                      <a:headEnd type="none" w="med" len="med"/>
+                      <a:tailEnd type="none" w="med" len="med"/>
+                    </a:lnB>
+                    <a:lnTlToBr w="12700" cmpd="sng">
+                      <a:noFill/>
+                      <a:prstDash val="solid"/>
+                    </a:lnTlToBr>
+                    <a:lnBlToTr w="12700" cmpd="sng">
+                      <a:noFill/>
+                      <a:prstDash val="solid"/>
+                    </a:lnBlToTr>
+                    <a:noFill/>
+                  </a:tcPr>
+                </a:tc>
+                <a:tc>
+                  <a:txBody>
+                    <a:bodyPr/>
+                    <a:lstStyle/>
+                    <a:p>
+                      <a:endParaRPr lang="fr-FR"/>
+                    </a:p>
+                  </a:txBody>
+                  <a:tcPr>
+                    <a:lnL w="12700" cap="flat" cmpd="sng" algn="ctr">
+                      <a:solidFill>
+                        <a:schemeClr val="tx1"/>
+                      </a:solidFill>
+                      <a:prstDash val="solid"/>
+                      <a:round/>
+                      <a:headEnd type="none" w="med" len="med"/>
+                      <a:tailEnd type="none" w="med" len="med"/>
+                    </a:lnL>
+                    <a:lnR w="12700" cap="flat" cmpd="sng" algn="ctr">
+                      <a:solidFill>
+                        <a:schemeClr val="tx1"/>
+                      </a:solidFill>
+                      <a:prstDash val="solid"/>
+                      <a:round/>
+                      <a:headEnd type="none" w="med" len="med"/>
+                      <a:tailEnd type="none" w="med" len="med"/>
+                    </a:lnR>
+                    <a:lnT w="12700" cap="flat" cmpd="sng" algn="ctr">
+                      <a:solidFill>
+                        <a:schemeClr val="tx1"/>
+                      </a:solidFill>
+                      <a:prstDash val="solid"/>
+                      <a:round/>
+                      <a:headEnd type="none" w="med" len="med"/>
+                      <a:tailEnd type="none" w="med" len="med"/>
+                    </a:lnT>
+                    <a:lnB w="12700" cap="flat" cmpd="sng" algn="ctr">
+                      <a:solidFill>
+                        <a:schemeClr val="tx1"/>
+                      </a:solidFill>
+                      <a:prstDash val="solid"/>
+                      <a:round/>
+                      <a:headEnd type="none" w="med" len="med"/>
+                      <a:tailEnd type="none" w="med" len="med"/>
+                    </a:lnB>
+                    <a:lnTlToBr w="12700" cmpd="sng">
+                      <a:noFill/>
+                      <a:prstDash val="solid"/>
+                    </a:lnTlToBr>
+                    <a:lnBlToTr w="12700" cmpd="sng">
+                      <a:noFill/>
+                      <a:prstDash val="solid"/>
+                    </a:lnBlToTr>
+                    <a:noFill/>
+                  </a:tcPr>
+                </a:tc>
+                <a:tc>
+                  <a:txBody>
+                    <a:bodyPr/>
+                    <a:lstStyle/>
+                    <a:p>
+                      <a:endParaRPr lang="fr-FR"/>
+                    </a:p>
+                  </a:txBody>
+                  <a:tcPr>
+                    <a:lnL w="12700" cap="flat" cmpd="sng" algn="ctr">
+                      <a:solidFill>
+                        <a:schemeClr val="tx1"/>
+                      </a:solidFill>
+                      <a:prstDash val="solid"/>
+                      <a:round/>
+                      <a:headEnd type="none" w="med" len="med"/>
+                      <a:tailEnd type="none" w="med" len="med"/>
+                    </a:lnL>
+                    <a:lnR w="12700" cap="flat" cmpd="sng" algn="ctr">
+                      <a:solidFill>
+                        <a:schemeClr val="tx1"/>
+                      </a:solidFill>
+                      <a:prstDash val="solid"/>
+                      <a:round/>
+                      <a:headEnd type="none" w="med" len="med"/>
+                      <a:tailEnd type="none" w="med" len="med"/>
+                    </a:lnR>
+                    <a:lnT w="12700" cap="flat" cmpd="sng" algn="ctr">
+                      <a:solidFill>
+                        <a:schemeClr val="tx1"/>
+                      </a:solidFill>
+                      <a:prstDash val="solid"/>
+                      <a:round/>
+                      <a:headEnd type="none" w="med" len="med"/>
+                      <a:tailEnd type="none" w="med" len="med"/>
+                    </a:lnT>
+                    <a:lnB w="12700" cap="flat" cmpd="sng" algn="ctr">
+                      <a:solidFill>
+                        <a:schemeClr val="tx1"/>
+                      </a:solidFill>
+                      <a:prstDash val="solid"/>
+                      <a:round/>
+                      <a:headEnd type="none" w="med" len="med"/>
+                      <a:tailEnd type="none" w="med" len="med"/>
+                    </a:lnB>
+                    <a:lnTlToBr w="12700" cmpd="sng">
+                      <a:noFill/>
+                      <a:prstDash val="solid"/>
+                    </a:lnTlToBr>
+                    <a:lnBlToTr w="12700" cmpd="sng">
+                      <a:noFill/>
+                      <a:prstDash val="solid"/>
+                    </a:lnBlToTr>
+                    <a:noFill/>
+                  </a:tcPr>
+                </a:tc>
+                <a:extLst>
+                  <a:ext uri="{0D108BD9-81ED-4DB2-BD59-A6C34878D82A}">
+                    <a16:rowId xmlns:a16="http://schemas.microsoft.com/office/drawing/2014/main" val="1474069529"/>
+                  </a:ext>
+                </a:extLst>
+              </a:tr>
+              <a:tr h="370840">
+                <a:tc>
+                  <a:txBody>
+                    <a:bodyPr/>
+                    <a:lstStyle/>
+                    <a:p>
+                      <a:r>
+                        <a:rPr lang="fr-FR" dirty="0" err="1"/>
+                        <a:t>Eleve</a:t>
+                      </a:r>
+                      <a:r>
+                        <a:rPr lang="fr-FR" dirty="0"/>
+                        <a:t> 3</a:t>
+                      </a:r>
+                    </a:p>
+                  </a:txBody>
+                  <a:tcPr>
+                    <a:lnL w="12700" cap="flat" cmpd="sng" algn="ctr">
+                      <a:solidFill>
+                        <a:schemeClr val="tx1"/>
+                      </a:solidFill>
+                      <a:prstDash val="solid"/>
+                      <a:round/>
+                      <a:headEnd type="none" w="med" len="med"/>
+                      <a:tailEnd type="none" w="med" len="med"/>
+                    </a:lnL>
+                    <a:lnR w="12700" cap="flat" cmpd="sng" algn="ctr">
+                      <a:solidFill>
+                        <a:schemeClr val="tx1"/>
+                      </a:solidFill>
+                      <a:prstDash val="solid"/>
+                      <a:round/>
+                      <a:headEnd type="none" w="med" len="med"/>
+                      <a:tailEnd type="none" w="med" len="med"/>
+                    </a:lnR>
+                    <a:lnT w="12700" cap="flat" cmpd="sng" algn="ctr">
+                      <a:solidFill>
+                        <a:schemeClr val="tx1"/>
+                      </a:solidFill>
+                      <a:prstDash val="solid"/>
+                      <a:round/>
+                      <a:headEnd type="none" w="med" len="med"/>
+                      <a:tailEnd type="none" w="med" len="med"/>
+                    </a:lnT>
+                    <a:lnB w="12700" cap="flat" cmpd="sng" algn="ctr">
+                      <a:solidFill>
+                        <a:schemeClr val="tx1"/>
+                      </a:solidFill>
+                      <a:prstDash val="solid"/>
+                      <a:round/>
+                      <a:headEnd type="none" w="med" len="med"/>
+                      <a:tailEnd type="none" w="med" len="med"/>
+                    </a:lnB>
+                    <a:lnTlToBr w="12700" cmpd="sng">
+                      <a:noFill/>
+                      <a:prstDash val="solid"/>
+                    </a:lnTlToBr>
+                    <a:lnBlToTr w="12700" cmpd="sng">
+                      <a:noFill/>
+                      <a:prstDash val="solid"/>
+                    </a:lnBlToTr>
+                    <a:noFill/>
+                  </a:tcPr>
+                </a:tc>
+                <a:tc>
+                  <a:txBody>
+                    <a:bodyPr/>
+                    <a:lstStyle/>
+                    <a:p>
+                      <a:endParaRPr lang="fr-FR"/>
+                    </a:p>
+                  </a:txBody>
+                  <a:tcPr>
+                    <a:lnL w="12700" cap="flat" cmpd="sng" algn="ctr">
+                      <a:solidFill>
+                        <a:schemeClr val="tx1"/>
+                      </a:solidFill>
+                      <a:prstDash val="solid"/>
+                      <a:round/>
+                      <a:headEnd type="none" w="med" len="med"/>
+                      <a:tailEnd type="none" w="med" len="med"/>
+                    </a:lnL>
+                    <a:lnR w="12700" cap="flat" cmpd="sng" algn="ctr">
+                      <a:solidFill>
+                        <a:schemeClr val="tx1"/>
+                      </a:solidFill>
+                      <a:prstDash val="solid"/>
+                      <a:round/>
+                      <a:headEnd type="none" w="med" len="med"/>
+                      <a:tailEnd type="none" w="med" len="med"/>
+                    </a:lnR>
+                    <a:lnT w="12700" cap="flat" cmpd="sng" algn="ctr">
+                      <a:solidFill>
+                        <a:schemeClr val="tx1"/>
+                      </a:solidFill>
+                      <a:prstDash val="solid"/>
+                      <a:round/>
+                      <a:headEnd type="none" w="med" len="med"/>
+                      <a:tailEnd type="none" w="med" len="med"/>
+                    </a:lnT>
+                    <a:lnB w="12700" cap="flat" cmpd="sng" algn="ctr">
+                      <a:solidFill>
+                        <a:schemeClr val="tx1"/>
+                      </a:solidFill>
+                      <a:prstDash val="solid"/>
+                      <a:round/>
+                      <a:headEnd type="none" w="med" len="med"/>
+                      <a:tailEnd type="none" w="med" len="med"/>
+                    </a:lnB>
+                    <a:lnTlToBr w="12700" cmpd="sng">
+                      <a:noFill/>
+                      <a:prstDash val="solid"/>
+                    </a:lnTlToBr>
+                    <a:lnBlToTr w="12700" cmpd="sng">
+                      <a:noFill/>
+                      <a:prstDash val="solid"/>
+                    </a:lnBlToTr>
+                    <a:noFill/>
+                  </a:tcPr>
+                </a:tc>
+                <a:tc>
+                  <a:txBody>
+                    <a:bodyPr/>
+                    <a:lstStyle/>
+                    <a:p>
+                      <a:endParaRPr lang="fr-FR"/>
+                    </a:p>
+                  </a:txBody>
+                  <a:tcPr>
+                    <a:lnL w="12700" cap="flat" cmpd="sng" algn="ctr">
+                      <a:solidFill>
+                        <a:schemeClr val="tx1"/>
+                      </a:solidFill>
+                      <a:prstDash val="solid"/>
+                      <a:round/>
+                      <a:headEnd type="none" w="med" len="med"/>
+                      <a:tailEnd type="none" w="med" len="med"/>
+                    </a:lnL>
+                    <a:lnR w="12700" cap="flat" cmpd="sng" algn="ctr">
+                      <a:solidFill>
+                        <a:schemeClr val="tx1"/>
+                      </a:solidFill>
+                      <a:prstDash val="solid"/>
+                      <a:round/>
+                      <a:headEnd type="none" w="med" len="med"/>
+                      <a:tailEnd type="none" w="med" len="med"/>
+                    </a:lnR>
+                    <a:lnT w="12700" cap="flat" cmpd="sng" algn="ctr">
+                      <a:solidFill>
+                        <a:schemeClr val="tx1"/>
+                      </a:solidFill>
+                      <a:prstDash val="solid"/>
+                      <a:round/>
+                      <a:headEnd type="none" w="med" len="med"/>
+                      <a:tailEnd type="none" w="med" len="med"/>
+                    </a:lnT>
+                    <a:lnB w="12700" cap="flat" cmpd="sng" algn="ctr">
+                      <a:solidFill>
+                        <a:schemeClr val="tx1"/>
+                      </a:solidFill>
+                      <a:prstDash val="solid"/>
+                      <a:round/>
+                      <a:headEnd type="none" w="med" len="med"/>
+                      <a:tailEnd type="none" w="med" len="med"/>
+                    </a:lnB>
+                    <a:lnTlToBr w="12700" cmpd="sng">
+                      <a:noFill/>
+                      <a:prstDash val="solid"/>
+                    </a:lnTlToBr>
+                    <a:lnBlToTr w="12700" cmpd="sng">
+                      <a:noFill/>
+                      <a:prstDash val="solid"/>
+                    </a:lnBlToTr>
+                    <a:noFill/>
+                  </a:tcPr>
+                </a:tc>
+                <a:tc>
+                  <a:txBody>
+                    <a:bodyPr/>
+                    <a:lstStyle/>
+                    <a:p>
+                      <a:endParaRPr lang="fr-FR"/>
+                    </a:p>
+                  </a:txBody>
+                  <a:tcPr>
+                    <a:lnL w="12700" cap="flat" cmpd="sng" algn="ctr">
+                      <a:solidFill>
+                        <a:schemeClr val="tx1"/>
+                      </a:solidFill>
+                      <a:prstDash val="solid"/>
+                      <a:round/>
+                      <a:headEnd type="none" w="med" len="med"/>
+                      <a:tailEnd type="none" w="med" len="med"/>
+                    </a:lnL>
+                    <a:lnR w="12700" cap="flat" cmpd="sng" algn="ctr">
+                      <a:solidFill>
+                        <a:schemeClr val="tx1"/>
+                      </a:solidFill>
+                      <a:prstDash val="solid"/>
+                      <a:round/>
+                      <a:headEnd type="none" w="med" len="med"/>
+                      <a:tailEnd type="none" w="med" len="med"/>
+                    </a:lnR>
+                    <a:lnT w="12700" cap="flat" cmpd="sng" algn="ctr">
+                      <a:solidFill>
+                        <a:schemeClr val="tx1"/>
+                      </a:solidFill>
+                      <a:prstDash val="solid"/>
+                      <a:round/>
+                      <a:headEnd type="none" w="med" len="med"/>
+                      <a:tailEnd type="none" w="med" len="med"/>
+                    </a:lnT>
+                    <a:lnB w="12700" cap="flat" cmpd="sng" algn="ctr">
+                      <a:solidFill>
+                        <a:schemeClr val="tx1"/>
+                      </a:solidFill>
+                      <a:prstDash val="solid"/>
+                      <a:round/>
+                      <a:headEnd type="none" w="med" len="med"/>
+                      <a:tailEnd type="none" w="med" len="med"/>
+                    </a:lnB>
+                    <a:lnTlToBr w="12700" cmpd="sng">
+                      <a:noFill/>
+                      <a:prstDash val="solid"/>
+                    </a:lnTlToBr>
+                    <a:lnBlToTr w="12700" cmpd="sng">
+                      <a:noFill/>
+                      <a:prstDash val="solid"/>
+                    </a:lnBlToTr>
+                    <a:noFill/>
+                  </a:tcPr>
+                </a:tc>
+                <a:tc>
+                  <a:txBody>
+                    <a:bodyPr/>
+                    <a:lstStyle/>
+                    <a:p>
+                      <a:endParaRPr lang="fr-FR"/>
+                    </a:p>
+                  </a:txBody>
+                  <a:tcPr>
+                    <a:lnL w="12700" cap="flat" cmpd="sng" algn="ctr">
+                      <a:solidFill>
+                        <a:schemeClr val="tx1"/>
+                      </a:solidFill>
+                      <a:prstDash val="solid"/>
+                      <a:round/>
+                      <a:headEnd type="none" w="med" len="med"/>
+                      <a:tailEnd type="none" w="med" len="med"/>
+                    </a:lnL>
+                    <a:lnR w="12700" cap="flat" cmpd="sng" algn="ctr">
+                      <a:solidFill>
+                        <a:schemeClr val="tx1"/>
+                      </a:solidFill>
+                      <a:prstDash val="solid"/>
+                      <a:round/>
+                      <a:headEnd type="none" w="med" len="med"/>
+                      <a:tailEnd type="none" w="med" len="med"/>
+                    </a:lnR>
+                    <a:lnT w="12700" cap="flat" cmpd="sng" algn="ctr">
+                      <a:solidFill>
+                        <a:schemeClr val="tx1"/>
+                      </a:solidFill>
+                      <a:prstDash val="solid"/>
+                      <a:round/>
+                      <a:headEnd type="none" w="med" len="med"/>
+                      <a:tailEnd type="none" w="med" len="med"/>
+                    </a:lnT>
+                    <a:lnB w="12700" cap="flat" cmpd="sng" algn="ctr">
+                      <a:solidFill>
+                        <a:schemeClr val="tx1"/>
+                      </a:solidFill>
+                      <a:prstDash val="solid"/>
+                      <a:round/>
+                      <a:headEnd type="none" w="med" len="med"/>
+                      <a:tailEnd type="none" w="med" len="med"/>
+                    </a:lnB>
+                    <a:lnTlToBr w="12700" cmpd="sng">
+                      <a:noFill/>
+                      <a:prstDash val="solid"/>
+                    </a:lnTlToBr>
+                    <a:lnBlToTr w="12700" cmpd="sng">
+                      <a:noFill/>
+                      <a:prstDash val="solid"/>
+                    </a:lnBlToTr>
+                    <a:noFill/>
+                  </a:tcPr>
+                </a:tc>
+                <a:extLst>
+                  <a:ext uri="{0D108BD9-81ED-4DB2-BD59-A6C34878D82A}">
+                    <a16:rowId xmlns:a16="http://schemas.microsoft.com/office/drawing/2014/main" val="123158931"/>
+                  </a:ext>
+                </a:extLst>
+              </a:tr>
+              <a:tr h="370840">
+                <a:tc>
+                  <a:txBody>
+                    <a:bodyPr/>
+                    <a:lstStyle/>
+                    <a:p>
+                      <a:endParaRPr lang="fr-FR" dirty="0"/>
+                    </a:p>
+                  </a:txBody>
+                  <a:tcPr>
+                    <a:lnL w="12700" cap="flat" cmpd="sng" algn="ctr">
+                      <a:solidFill>
+                        <a:schemeClr val="tx1"/>
+                      </a:solidFill>
+                      <a:prstDash val="solid"/>
+                      <a:round/>
+                      <a:headEnd type="none" w="med" len="med"/>
+                      <a:tailEnd type="none" w="med" len="med"/>
+                    </a:lnL>
+                    <a:lnR w="12700" cap="flat" cmpd="sng" algn="ctr">
+                      <a:solidFill>
+                        <a:schemeClr val="tx1"/>
+                      </a:solidFill>
+                      <a:prstDash val="solid"/>
+                      <a:round/>
+                      <a:headEnd type="none" w="med" len="med"/>
+                      <a:tailEnd type="none" w="med" len="med"/>
+                    </a:lnR>
+                    <a:lnT w="12700" cap="flat" cmpd="sng" algn="ctr">
+                      <a:solidFill>
+                        <a:schemeClr val="tx1"/>
+                      </a:solidFill>
+                      <a:prstDash val="solid"/>
+                      <a:round/>
+                      <a:headEnd type="none" w="med" len="med"/>
+                      <a:tailEnd type="none" w="med" len="med"/>
+                    </a:lnT>
+                    <a:lnB w="12700" cap="flat" cmpd="sng" algn="ctr">
+                      <a:solidFill>
+                        <a:schemeClr val="tx1"/>
+                      </a:solidFill>
+                      <a:prstDash val="solid"/>
+                      <a:round/>
+                      <a:headEnd type="none" w="med" len="med"/>
+                      <a:tailEnd type="none" w="med" len="med"/>
+                    </a:lnB>
+                    <a:lnTlToBr w="12700" cmpd="sng">
+                      <a:noFill/>
+                      <a:prstDash val="solid"/>
+                    </a:lnTlToBr>
+                    <a:lnBlToTr w="12700" cmpd="sng">
+                      <a:noFill/>
+                      <a:prstDash val="solid"/>
+                    </a:lnBlToTr>
+                    <a:noFill/>
+                  </a:tcPr>
+                </a:tc>
+                <a:tc>
+                  <a:txBody>
+                    <a:bodyPr/>
+                    <a:lstStyle/>
+                    <a:p>
+                      <a:endParaRPr lang="fr-FR"/>
+                    </a:p>
+                  </a:txBody>
+                  <a:tcPr>
+                    <a:lnL w="12700" cap="flat" cmpd="sng" algn="ctr">
+                      <a:solidFill>
+                        <a:schemeClr val="tx1"/>
+                      </a:solidFill>
+                      <a:prstDash val="solid"/>
+                      <a:round/>
+                      <a:headEnd type="none" w="med" len="med"/>
+                      <a:tailEnd type="none" w="med" len="med"/>
+                    </a:lnL>
+                    <a:lnR w="12700" cap="flat" cmpd="sng" algn="ctr">
+                      <a:solidFill>
+                        <a:schemeClr val="tx1"/>
+                      </a:solidFill>
+                      <a:prstDash val="solid"/>
+                      <a:round/>
+                      <a:headEnd type="none" w="med" len="med"/>
+                      <a:tailEnd type="none" w="med" len="med"/>
+                    </a:lnR>
+                    <a:lnT w="12700" cap="flat" cmpd="sng" algn="ctr">
+                      <a:solidFill>
+                        <a:schemeClr val="tx1"/>
+                      </a:solidFill>
+                      <a:prstDash val="solid"/>
+                      <a:round/>
+                      <a:headEnd type="none" w="med" len="med"/>
+                      <a:tailEnd type="none" w="med" len="med"/>
+                    </a:lnT>
+                    <a:lnB w="12700" cap="flat" cmpd="sng" algn="ctr">
+                      <a:solidFill>
+                        <a:schemeClr val="tx1"/>
+                      </a:solidFill>
+                      <a:prstDash val="solid"/>
+                      <a:round/>
+                      <a:headEnd type="none" w="med" len="med"/>
+                      <a:tailEnd type="none" w="med" len="med"/>
+                    </a:lnB>
+                    <a:lnTlToBr w="12700" cmpd="sng">
+                      <a:noFill/>
+                      <a:prstDash val="solid"/>
+                    </a:lnTlToBr>
+                    <a:lnBlToTr w="12700" cmpd="sng">
+                      <a:noFill/>
+                      <a:prstDash val="solid"/>
+                    </a:lnBlToTr>
+                    <a:noFill/>
+                  </a:tcPr>
+                </a:tc>
+                <a:tc>
+                  <a:txBody>
+                    <a:bodyPr/>
+                    <a:lstStyle/>
+                    <a:p>
+                      <a:endParaRPr lang="fr-FR"/>
+                    </a:p>
+                  </a:txBody>
+                  <a:tcPr>
+                    <a:lnL w="12700" cap="flat" cmpd="sng" algn="ctr">
+                      <a:solidFill>
+                        <a:schemeClr val="tx1"/>
+                      </a:solidFill>
+                      <a:prstDash val="solid"/>
+                      <a:round/>
+                      <a:headEnd type="none" w="med" len="med"/>
+                      <a:tailEnd type="none" w="med" len="med"/>
+                    </a:lnL>
+                    <a:lnR w="12700" cap="flat" cmpd="sng" algn="ctr">
+                      <a:solidFill>
+                        <a:schemeClr val="tx1"/>
+                      </a:solidFill>
+                      <a:prstDash val="solid"/>
+                      <a:round/>
+                      <a:headEnd type="none" w="med" len="med"/>
+                      <a:tailEnd type="none" w="med" len="med"/>
+                    </a:lnR>
+                    <a:lnT w="12700" cap="flat" cmpd="sng" algn="ctr">
+                      <a:solidFill>
+                        <a:schemeClr val="tx1"/>
+                      </a:solidFill>
+                      <a:prstDash val="solid"/>
+                      <a:round/>
+                      <a:headEnd type="none" w="med" len="med"/>
+                      <a:tailEnd type="none" w="med" len="med"/>
+                    </a:lnT>
+                    <a:lnB w="12700" cap="flat" cmpd="sng" algn="ctr">
+                      <a:solidFill>
+                        <a:schemeClr val="tx1"/>
+                      </a:solidFill>
+                      <a:prstDash val="solid"/>
+                      <a:round/>
+                      <a:headEnd type="none" w="med" len="med"/>
+                      <a:tailEnd type="none" w="med" len="med"/>
+                    </a:lnB>
+                    <a:lnTlToBr w="12700" cmpd="sng">
+                      <a:noFill/>
+                      <a:prstDash val="solid"/>
+                    </a:lnTlToBr>
+                    <a:lnBlToTr w="12700" cmpd="sng">
+                      <a:noFill/>
+                      <a:prstDash val="solid"/>
+                    </a:lnBlToTr>
+                    <a:noFill/>
+                  </a:tcPr>
+                </a:tc>
+                <a:tc>
+                  <a:txBody>
+                    <a:bodyPr/>
+                    <a:lstStyle/>
+                    <a:p>
+                      <a:endParaRPr lang="fr-FR"/>
+                    </a:p>
+                  </a:txBody>
+                  <a:tcPr>
+                    <a:lnL w="12700" cap="flat" cmpd="sng" algn="ctr">
+                      <a:solidFill>
+                        <a:schemeClr val="tx1"/>
+                      </a:solidFill>
+                      <a:prstDash val="solid"/>
+                      <a:round/>
+                      <a:headEnd type="none" w="med" len="med"/>
+                      <a:tailEnd type="none" w="med" len="med"/>
+                    </a:lnL>
+                    <a:lnR w="12700" cap="flat" cmpd="sng" algn="ctr">
+                      <a:solidFill>
+                        <a:schemeClr val="tx1"/>
+                      </a:solidFill>
+                      <a:prstDash val="solid"/>
+                      <a:round/>
+                      <a:headEnd type="none" w="med" len="med"/>
+                      <a:tailEnd type="none" w="med" len="med"/>
+                    </a:lnR>
+                    <a:lnT w="12700" cap="flat" cmpd="sng" algn="ctr">
+                      <a:solidFill>
+                        <a:schemeClr val="tx1"/>
+                      </a:solidFill>
+                      <a:prstDash val="solid"/>
+                      <a:round/>
+                      <a:headEnd type="none" w="med" len="med"/>
+                      <a:tailEnd type="none" w="med" len="med"/>
+                    </a:lnT>
+                    <a:lnB w="12700" cap="flat" cmpd="sng" algn="ctr">
+                      <a:solidFill>
+                        <a:schemeClr val="tx1"/>
+                      </a:solidFill>
+                      <a:prstDash val="solid"/>
+                      <a:round/>
+                      <a:headEnd type="none" w="med" len="med"/>
+                      <a:tailEnd type="none" w="med" len="med"/>
+                    </a:lnB>
+                    <a:lnTlToBr w="12700" cmpd="sng">
+                      <a:noFill/>
+                      <a:prstDash val="solid"/>
+                    </a:lnTlToBr>
+                    <a:lnBlToTr w="12700" cmpd="sng">
+                      <a:noFill/>
+                      <a:prstDash val="solid"/>
+                    </a:lnBlToTr>
+                    <a:noFill/>
+                  </a:tcPr>
+                </a:tc>
+                <a:tc>
+                  <a:txBody>
+                    <a:bodyPr/>
+                    <a:lstStyle/>
+                    <a:p>
+                      <a:endParaRPr lang="fr-FR" dirty="0"/>
+                    </a:p>
+                  </a:txBody>
+                  <a:tcPr>
+                    <a:lnL w="12700" cap="flat" cmpd="sng" algn="ctr">
+                      <a:solidFill>
+                        <a:schemeClr val="tx1"/>
+                      </a:solidFill>
+                      <a:prstDash val="solid"/>
+                      <a:round/>
+                      <a:headEnd type="none" w="med" len="med"/>
+                      <a:tailEnd type="none" w="med" len="med"/>
+                    </a:lnL>
+                    <a:lnR w="12700" cap="flat" cmpd="sng" algn="ctr">
+                      <a:solidFill>
+                        <a:schemeClr val="tx1"/>
+                      </a:solidFill>
+                      <a:prstDash val="solid"/>
+                      <a:round/>
+                      <a:headEnd type="none" w="med" len="med"/>
+                      <a:tailEnd type="none" w="med" len="med"/>
+                    </a:lnR>
+                    <a:lnT w="12700" cap="flat" cmpd="sng" algn="ctr">
+                      <a:solidFill>
+                        <a:schemeClr val="tx1"/>
+                      </a:solidFill>
+                      <a:prstDash val="solid"/>
+                      <a:round/>
+                      <a:headEnd type="none" w="med" len="med"/>
+                      <a:tailEnd type="none" w="med" len="med"/>
+                    </a:lnT>
+                    <a:lnB w="12700" cap="flat" cmpd="sng" algn="ctr">
+                      <a:solidFill>
+                        <a:schemeClr val="tx1"/>
+                      </a:solidFill>
+                      <a:prstDash val="solid"/>
+                      <a:round/>
+                      <a:headEnd type="none" w="med" len="med"/>
+                      <a:tailEnd type="none" w="med" len="med"/>
+                    </a:lnB>
+                    <a:lnTlToBr w="12700" cmpd="sng">
+                      <a:noFill/>
+                      <a:prstDash val="solid"/>
+                    </a:lnTlToBr>
+                    <a:lnBlToTr w="12700" cmpd="sng">
+                      <a:noFill/>
+                      <a:prstDash val="solid"/>
+                    </a:lnBlToTr>
+                    <a:noFill/>
+                  </a:tcPr>
+                </a:tc>
+                <a:extLst>
+                  <a:ext uri="{0D108BD9-81ED-4DB2-BD59-A6C34878D82A}">
+                    <a16:rowId xmlns:a16="http://schemas.microsoft.com/office/drawing/2014/main" val="29201701"/>
+                  </a:ext>
+                </a:extLst>
+              </a:tr>
+            </a:tbl>
+          </a:graphicData>
+        </a:graphic>
+      </p:graphicFrame>
+      <p:graphicFrame>
+        <p:nvGraphicFramePr>
+          <p:cNvPr id="5" name="Tableau 4">
+            <a:extLst>
+              <a:ext uri="{FF2B5EF4-FFF2-40B4-BE49-F238E27FC236}">
+                <a16:creationId xmlns:a16="http://schemas.microsoft.com/office/drawing/2014/main" id="{BA22E262-B7B7-45FD-A8F8-EC0B8BF68E27}"/>
+              </a:ext>
+            </a:extLst>
+          </p:cNvPr>
+          <p:cNvGraphicFramePr>
+            <a:graphicFrameLocks/>
+          </p:cNvGraphicFramePr>
+          <p:nvPr>
+            <p:extLst>
+              <p:ext uri="{D42A27DB-BD31-4B8C-83A1-F6EECF244321}">
+                <p14:modId xmlns:p14="http://schemas.microsoft.com/office/powerpoint/2010/main" val="769645266"/>
+              </p:ext>
+            </p:extLst>
+          </p:nvPr>
+        </p:nvGraphicFramePr>
+        <p:xfrm>
+          <a:off x="838200" y="3839481"/>
+          <a:ext cx="10515603" cy="1854200"/>
+        </p:xfrm>
+        <a:graphic>
+          <a:graphicData uri="http://schemas.openxmlformats.org/drawingml/2006/table">
+            <a:tbl>
+              <a:tblPr firstRow="1" bandRow="1">
+                <a:tableStyleId>{5C22544A-7EE6-4342-B048-85BDC9FD1C3A}</a:tableStyleId>
+              </a:tblPr>
+              <a:tblGrid>
+                <a:gridCol w="1502229">
+                  <a:extLst>
+                    <a:ext uri="{9D8B030D-6E8A-4147-A177-3AD203B41FA5}">
+                      <a16:colId xmlns:a16="http://schemas.microsoft.com/office/drawing/2014/main" val="418278497"/>
+                    </a:ext>
+                  </a:extLst>
+                </a:gridCol>
+                <a:gridCol w="1502229">
+                  <a:extLst>
+                    <a:ext uri="{9D8B030D-6E8A-4147-A177-3AD203B41FA5}">
+                      <a16:colId xmlns:a16="http://schemas.microsoft.com/office/drawing/2014/main" val="2125263823"/>
+                    </a:ext>
+                  </a:extLst>
+                </a:gridCol>
+                <a:gridCol w="1502229">
+                  <a:extLst>
+                    <a:ext uri="{9D8B030D-6E8A-4147-A177-3AD203B41FA5}">
+                      <a16:colId xmlns:a16="http://schemas.microsoft.com/office/drawing/2014/main" val="26439176"/>
+                    </a:ext>
+                  </a:extLst>
+                </a:gridCol>
+                <a:gridCol w="1502229">
+                  <a:extLst>
+                    <a:ext uri="{9D8B030D-6E8A-4147-A177-3AD203B41FA5}">
+                      <a16:colId xmlns:a16="http://schemas.microsoft.com/office/drawing/2014/main" val="1798632382"/>
+                    </a:ext>
+                  </a:extLst>
+                </a:gridCol>
+                <a:gridCol w="1502229">
+                  <a:extLst>
+                    <a:ext uri="{9D8B030D-6E8A-4147-A177-3AD203B41FA5}">
+                      <a16:colId xmlns:a16="http://schemas.microsoft.com/office/drawing/2014/main" val="376802828"/>
+                    </a:ext>
+                  </a:extLst>
+                </a:gridCol>
+                <a:gridCol w="1502229">
+                  <a:extLst>
+                    <a:ext uri="{9D8B030D-6E8A-4147-A177-3AD203B41FA5}">
+                      <a16:colId xmlns:a16="http://schemas.microsoft.com/office/drawing/2014/main" val="656936492"/>
+                    </a:ext>
+                  </a:extLst>
+                </a:gridCol>
+                <a:gridCol w="1502229">
+                  <a:extLst>
+                    <a:ext uri="{9D8B030D-6E8A-4147-A177-3AD203B41FA5}">
+                      <a16:colId xmlns:a16="http://schemas.microsoft.com/office/drawing/2014/main" val="1225776059"/>
+                    </a:ext>
+                  </a:extLst>
+                </a:gridCol>
+              </a:tblGrid>
+              <a:tr h="370840">
+                <a:tc>
+                  <a:txBody>
+                    <a:bodyPr/>
+                    <a:lstStyle/>
+                    <a:p>
+                      <a:r>
+                        <a:rPr lang="fr-FR" dirty="0">
+                          <a:solidFill>
+                            <a:schemeClr val="tx1"/>
+                          </a:solidFill>
+                        </a:rPr>
+                        <a:t>Nom</a:t>
+                      </a:r>
+                    </a:p>
+                  </a:txBody>
+                  <a:tcPr>
+                    <a:lnL w="12700" cap="flat" cmpd="sng" algn="ctr">
+                      <a:solidFill>
+                        <a:schemeClr val="tx1"/>
+                      </a:solidFill>
+                      <a:prstDash val="solid"/>
+                      <a:round/>
+                      <a:headEnd type="none" w="med" len="med"/>
+                      <a:tailEnd type="none" w="med" len="med"/>
+                    </a:lnL>
+                    <a:lnR w="12700" cap="flat" cmpd="sng" algn="ctr">
+                      <a:solidFill>
+                        <a:schemeClr val="tx1"/>
+                      </a:solidFill>
+                      <a:prstDash val="solid"/>
+                      <a:round/>
+                      <a:headEnd type="none" w="med" len="med"/>
+                      <a:tailEnd type="none" w="med" len="med"/>
+                    </a:lnR>
+                    <a:lnT w="12700" cap="flat" cmpd="sng" algn="ctr">
+                      <a:solidFill>
+                        <a:schemeClr val="tx1"/>
+                      </a:solidFill>
+                      <a:prstDash val="solid"/>
+                      <a:round/>
+                      <a:headEnd type="none" w="med" len="med"/>
+                      <a:tailEnd type="none" w="med" len="med"/>
+                    </a:lnT>
+                    <a:lnB w="12700" cap="flat" cmpd="sng" algn="ctr">
+                      <a:solidFill>
+                        <a:schemeClr val="tx1"/>
+                      </a:solidFill>
+                      <a:prstDash val="solid"/>
+                      <a:round/>
+                      <a:headEnd type="none" w="med" len="med"/>
+                      <a:tailEnd type="none" w="med" len="med"/>
+                    </a:lnB>
+                    <a:lnTlToBr w="12700" cmpd="sng">
+                      <a:noFill/>
+                      <a:prstDash val="solid"/>
+                    </a:lnTlToBr>
+                    <a:lnBlToTr w="12700" cmpd="sng">
+                      <a:noFill/>
+                      <a:prstDash val="solid"/>
+                    </a:lnBlToTr>
+                    <a:noFill/>
+                  </a:tcPr>
+                </a:tc>
+                <a:tc>
+                  <a:txBody>
+                    <a:bodyPr/>
+                    <a:lstStyle/>
+                    <a:p>
+                      <a:r>
+                        <a:rPr lang="fr-FR" dirty="0">
+                          <a:solidFill>
+                            <a:schemeClr val="tx1"/>
+                          </a:solidFill>
+                        </a:rPr>
+                        <a:t> </a:t>
+                      </a:r>
+                    </a:p>
+                  </a:txBody>
+                  <a:tcPr>
+                    <a:lnL w="12700" cap="flat" cmpd="sng" algn="ctr">
+                      <a:solidFill>
+                        <a:schemeClr val="tx1"/>
+                      </a:solidFill>
+                      <a:prstDash val="solid"/>
+                      <a:round/>
+                      <a:headEnd type="none" w="med" len="med"/>
+                      <a:tailEnd type="none" w="med" len="med"/>
+                    </a:lnL>
+                    <a:lnR w="12700" cap="flat" cmpd="sng" algn="ctr">
+                      <a:solidFill>
+                        <a:schemeClr val="tx1"/>
+                      </a:solidFill>
+                      <a:prstDash val="solid"/>
+                      <a:round/>
+                      <a:headEnd type="none" w="med" len="med"/>
+                      <a:tailEnd type="none" w="med" len="med"/>
+                    </a:lnR>
+                    <a:lnT w="12700" cap="flat" cmpd="sng" algn="ctr">
+                      <a:solidFill>
+                        <a:schemeClr val="tx1"/>
+                      </a:solidFill>
+                      <a:prstDash val="solid"/>
+                      <a:round/>
+                      <a:headEnd type="none" w="med" len="med"/>
+                      <a:tailEnd type="none" w="med" len="med"/>
+                    </a:lnT>
+                    <a:lnB w="12700" cap="flat" cmpd="sng" algn="ctr">
+                      <a:solidFill>
+                        <a:schemeClr val="tx1"/>
+                      </a:solidFill>
+                      <a:prstDash val="solid"/>
+                      <a:round/>
+                      <a:headEnd type="none" w="med" len="med"/>
+                      <a:tailEnd type="none" w="med" len="med"/>
+                    </a:lnB>
+                    <a:lnTlToBr w="12700" cmpd="sng">
+                      <a:noFill/>
+                      <a:prstDash val="solid"/>
+                    </a:lnTlToBr>
+                    <a:lnBlToTr w="12700" cmpd="sng">
+                      <a:noFill/>
+                      <a:prstDash val="solid"/>
+                    </a:lnBlToTr>
+                    <a:noFill/>
+                  </a:tcPr>
+                </a:tc>
+                <a:tc>
+                  <a:txBody>
+                    <a:bodyPr/>
+                    <a:lstStyle/>
+                    <a:p>
+                      <a:r>
+                        <a:rPr lang="fr-FR" dirty="0">
+                          <a:solidFill>
+                            <a:schemeClr val="tx1"/>
+                          </a:solidFill>
+                        </a:rPr>
+                        <a:t>Rang</a:t>
+                      </a:r>
+                    </a:p>
+                  </a:txBody>
+                  <a:tcPr>
+                    <a:lnL w="12700" cap="flat" cmpd="sng" algn="ctr">
+                      <a:solidFill>
+                        <a:schemeClr val="tx1"/>
+                      </a:solidFill>
+                      <a:prstDash val="solid"/>
+                      <a:round/>
+                      <a:headEnd type="none" w="med" len="med"/>
+                      <a:tailEnd type="none" w="med" len="med"/>
+                    </a:lnL>
+                    <a:lnR w="12700" cap="flat" cmpd="sng" algn="ctr">
+                      <a:solidFill>
+                        <a:schemeClr val="tx1"/>
+                      </a:solidFill>
+                      <a:prstDash val="solid"/>
+                      <a:round/>
+                      <a:headEnd type="none" w="med" len="med"/>
+                      <a:tailEnd type="none" w="med" len="med"/>
+                    </a:lnR>
+                    <a:lnT w="12700" cap="flat" cmpd="sng" algn="ctr">
+                      <a:solidFill>
+                        <a:schemeClr val="tx1"/>
+                      </a:solidFill>
+                      <a:prstDash val="solid"/>
+                      <a:round/>
+                      <a:headEnd type="none" w="med" len="med"/>
+                      <a:tailEnd type="none" w="med" len="med"/>
+                    </a:lnT>
+                    <a:lnB w="12700" cap="flat" cmpd="sng" algn="ctr">
+                      <a:solidFill>
+                        <a:schemeClr val="tx1"/>
+                      </a:solidFill>
+                      <a:prstDash val="solid"/>
+                      <a:round/>
+                      <a:headEnd type="none" w="med" len="med"/>
+                      <a:tailEnd type="none" w="med" len="med"/>
+                    </a:lnB>
+                    <a:lnTlToBr w="12700" cmpd="sng">
+                      <a:noFill/>
+                      <a:prstDash val="solid"/>
+                    </a:lnTlToBr>
+                    <a:lnBlToTr w="12700" cmpd="sng">
+                      <a:noFill/>
+                      <a:prstDash val="solid"/>
+                    </a:lnBlToTr>
+                    <a:noFill/>
+                  </a:tcPr>
+                </a:tc>
+                <a:tc>
+                  <a:txBody>
+                    <a:bodyPr/>
+                    <a:lstStyle/>
+                    <a:p>
+                      <a:r>
+                        <a:rPr lang="fr-FR" dirty="0">
+                          <a:solidFill>
+                            <a:schemeClr val="tx1"/>
+                          </a:solidFill>
+                        </a:rPr>
+                        <a:t>Total</a:t>
+                      </a:r>
+                    </a:p>
+                  </a:txBody>
+                  <a:tcPr>
+                    <a:lnL w="12700" cap="flat" cmpd="sng" algn="ctr">
+                      <a:solidFill>
+                        <a:schemeClr val="tx1"/>
+                      </a:solidFill>
+                      <a:prstDash val="solid"/>
+                      <a:round/>
+                      <a:headEnd type="none" w="med" len="med"/>
+                      <a:tailEnd type="none" w="med" len="med"/>
+                    </a:lnL>
+                    <a:lnR w="12700" cap="flat" cmpd="sng" algn="ctr">
+                      <a:solidFill>
+                        <a:schemeClr val="tx1"/>
+                      </a:solidFill>
+                      <a:prstDash val="solid"/>
+                      <a:round/>
+                      <a:headEnd type="none" w="med" len="med"/>
+                      <a:tailEnd type="none" w="med" len="med"/>
+                    </a:lnR>
+                    <a:lnT w="12700" cap="flat" cmpd="sng" algn="ctr">
+                      <a:solidFill>
+                        <a:schemeClr val="tx1"/>
+                      </a:solidFill>
+                      <a:prstDash val="solid"/>
+                      <a:round/>
+                      <a:headEnd type="none" w="med" len="med"/>
+                      <a:tailEnd type="none" w="med" len="med"/>
+                    </a:lnT>
+                    <a:lnB w="12700" cap="flat" cmpd="sng" algn="ctr">
+                      <a:solidFill>
+                        <a:schemeClr val="tx1"/>
+                      </a:solidFill>
+                      <a:prstDash val="solid"/>
+                      <a:round/>
+                      <a:headEnd type="none" w="med" len="med"/>
+                      <a:tailEnd type="none" w="med" len="med"/>
+                    </a:lnB>
+                    <a:lnTlToBr w="12700" cmpd="sng">
+                      <a:noFill/>
+                      <a:prstDash val="solid"/>
+                    </a:lnTlToBr>
+                    <a:lnBlToTr w="12700" cmpd="sng">
+                      <a:noFill/>
+                      <a:prstDash val="solid"/>
+                    </a:lnBlToTr>
+                    <a:noFill/>
+                  </a:tcPr>
+                </a:tc>
+                <a:tc>
+                  <a:txBody>
+                    <a:bodyPr/>
+                    <a:lstStyle/>
+                    <a:p>
+                      <a:r>
+                        <a:rPr lang="fr-FR" dirty="0">
+                          <a:solidFill>
+                            <a:schemeClr val="tx1"/>
+                          </a:solidFill>
+                        </a:rPr>
+                        <a:t>Moyenne</a:t>
+                      </a:r>
+                    </a:p>
+                  </a:txBody>
+                  <a:tcPr>
+                    <a:lnL w="12700" cap="flat" cmpd="sng" algn="ctr">
+                      <a:solidFill>
+                        <a:schemeClr val="tx1"/>
+                      </a:solidFill>
+                      <a:prstDash val="solid"/>
+                      <a:round/>
+                      <a:headEnd type="none" w="med" len="med"/>
+                      <a:tailEnd type="none" w="med" len="med"/>
+                    </a:lnL>
+                    <a:lnR w="12700" cap="flat" cmpd="sng" algn="ctr">
+                      <a:solidFill>
+                        <a:schemeClr val="tx1"/>
+                      </a:solidFill>
+                      <a:prstDash val="solid"/>
+                      <a:round/>
+                      <a:headEnd type="none" w="med" len="med"/>
+                      <a:tailEnd type="none" w="med" len="med"/>
+                    </a:lnR>
+                    <a:lnT w="12700" cap="flat" cmpd="sng" algn="ctr">
+                      <a:solidFill>
+                        <a:schemeClr val="tx1"/>
+                      </a:solidFill>
+                      <a:prstDash val="solid"/>
+                      <a:round/>
+                      <a:headEnd type="none" w="med" len="med"/>
+                      <a:tailEnd type="none" w="med" len="med"/>
+                    </a:lnT>
+                    <a:lnB w="12700" cap="flat" cmpd="sng" algn="ctr">
+                      <a:solidFill>
+                        <a:schemeClr val="tx1"/>
+                      </a:solidFill>
+                      <a:prstDash val="solid"/>
+                      <a:round/>
+                      <a:headEnd type="none" w="med" len="med"/>
+                      <a:tailEnd type="none" w="med" len="med"/>
+                    </a:lnB>
+                    <a:lnTlToBr w="12700" cmpd="sng">
+                      <a:noFill/>
+                      <a:prstDash val="solid"/>
+                    </a:lnTlToBr>
+                    <a:lnBlToTr w="12700" cmpd="sng">
+                      <a:noFill/>
+                      <a:prstDash val="solid"/>
+                    </a:lnBlToTr>
+                    <a:noFill/>
+                  </a:tcPr>
+                </a:tc>
+                <a:tc>
+                  <a:txBody>
+                    <a:bodyPr/>
+                    <a:lstStyle/>
+                    <a:p>
+                      <a:r>
+                        <a:rPr lang="fr-FR" dirty="0">
+                          <a:solidFill>
+                            <a:schemeClr val="tx1"/>
+                          </a:solidFill>
+                        </a:rPr>
+                        <a:t>Maths…</a:t>
+                      </a:r>
+                    </a:p>
+                  </a:txBody>
+                  <a:tcPr>
+                    <a:lnL w="12700" cap="flat" cmpd="sng" algn="ctr">
+                      <a:solidFill>
+                        <a:schemeClr val="tx1"/>
+                      </a:solidFill>
+                      <a:prstDash val="solid"/>
+                      <a:round/>
+                      <a:headEnd type="none" w="med" len="med"/>
+                      <a:tailEnd type="none" w="med" len="med"/>
+                    </a:lnL>
+                    <a:lnR w="12700" cap="flat" cmpd="sng" algn="ctr">
+                      <a:solidFill>
+                        <a:schemeClr val="tx1"/>
+                      </a:solidFill>
+                      <a:prstDash val="solid"/>
+                      <a:round/>
+                      <a:headEnd type="none" w="med" len="med"/>
+                      <a:tailEnd type="none" w="med" len="med"/>
+                    </a:lnR>
+                    <a:lnT w="12700" cap="flat" cmpd="sng" algn="ctr">
+                      <a:solidFill>
+                        <a:schemeClr val="tx1"/>
+                      </a:solidFill>
+                      <a:prstDash val="solid"/>
+                      <a:round/>
+                      <a:headEnd type="none" w="med" len="med"/>
+                      <a:tailEnd type="none" w="med" len="med"/>
+                    </a:lnT>
+                    <a:lnB w="12700" cap="flat" cmpd="sng" algn="ctr">
+                      <a:solidFill>
+                        <a:schemeClr val="tx1"/>
+                      </a:solidFill>
+                      <a:prstDash val="solid"/>
+                      <a:round/>
+                      <a:headEnd type="none" w="med" len="med"/>
+                      <a:tailEnd type="none" w="med" len="med"/>
+                    </a:lnB>
+                    <a:lnTlToBr w="12700" cmpd="sng">
+                      <a:noFill/>
+                      <a:prstDash val="solid"/>
+                    </a:lnTlToBr>
+                    <a:lnBlToTr w="12700" cmpd="sng">
+                      <a:noFill/>
+                      <a:prstDash val="solid"/>
+                    </a:lnBlToTr>
+                    <a:noFill/>
+                  </a:tcPr>
+                </a:tc>
+                <a:tc>
+                  <a:txBody>
+                    <a:bodyPr/>
+                    <a:lstStyle/>
+                    <a:p>
+                      <a:endParaRPr lang="fr-FR" dirty="0">
+                        <a:solidFill>
+                          <a:schemeClr val="tx1"/>
+                        </a:solidFill>
+                      </a:endParaRPr>
+                    </a:p>
+                  </a:txBody>
+                  <a:tcPr>
+                    <a:lnL w="12700" cap="flat" cmpd="sng" algn="ctr">
+                      <a:solidFill>
+                        <a:schemeClr val="tx1"/>
+                      </a:solidFill>
+                      <a:prstDash val="solid"/>
+                      <a:round/>
+                      <a:headEnd type="none" w="med" len="med"/>
+                      <a:tailEnd type="none" w="med" len="med"/>
+                    </a:lnL>
+                    <a:lnR w="12700" cap="flat" cmpd="sng" algn="ctr">
+                      <a:solidFill>
+                        <a:schemeClr val="tx1"/>
+                      </a:solidFill>
+                      <a:prstDash val="solid"/>
+                      <a:round/>
+                      <a:headEnd type="none" w="med" len="med"/>
+                      <a:tailEnd type="none" w="med" len="med"/>
+                    </a:lnR>
+                    <a:lnT w="12700" cap="flat" cmpd="sng" algn="ctr">
+                      <a:solidFill>
+                        <a:schemeClr val="tx1"/>
+                      </a:solidFill>
+                      <a:prstDash val="solid"/>
+                      <a:round/>
+                      <a:headEnd type="none" w="med" len="med"/>
+                      <a:tailEnd type="none" w="med" len="med"/>
+                    </a:lnT>
+                    <a:lnB w="12700" cap="flat" cmpd="sng" algn="ctr">
+                      <a:solidFill>
+                        <a:schemeClr val="tx1"/>
+                      </a:solidFill>
+                      <a:prstDash val="solid"/>
+                      <a:round/>
+                      <a:headEnd type="none" w="med" len="med"/>
+                      <a:tailEnd type="none" w="med" len="med"/>
+                    </a:lnB>
+                    <a:lnTlToBr w="12700" cmpd="sng">
+                      <a:noFill/>
+                      <a:prstDash val="solid"/>
+                    </a:lnTlToBr>
+                    <a:lnBlToTr w="12700" cmpd="sng">
+                      <a:noFill/>
+                      <a:prstDash val="solid"/>
+                    </a:lnBlToTr>
+                    <a:noFill/>
+                  </a:tcPr>
+                </a:tc>
+                <a:extLst>
+                  <a:ext uri="{0D108BD9-81ED-4DB2-BD59-A6C34878D82A}">
+                    <a16:rowId xmlns:a16="http://schemas.microsoft.com/office/drawing/2014/main" val="2079148919"/>
+                  </a:ext>
+                </a:extLst>
+              </a:tr>
+              <a:tr h="370840">
+                <a:tc>
+                  <a:txBody>
+                    <a:bodyPr/>
+                    <a:lstStyle/>
+                    <a:p>
+                      <a:r>
+                        <a:rPr lang="fr-FR" dirty="0" err="1"/>
+                        <a:t>Eleve</a:t>
+                      </a:r>
+                      <a:r>
+                        <a:rPr lang="fr-FR" dirty="0"/>
+                        <a:t> 1</a:t>
+                      </a:r>
+                    </a:p>
+                  </a:txBody>
+                  <a:tcPr>
+                    <a:lnL w="12700" cap="flat" cmpd="sng" algn="ctr">
+                      <a:solidFill>
+                        <a:schemeClr val="tx1"/>
+                      </a:solidFill>
+                      <a:prstDash val="solid"/>
+                      <a:round/>
+                      <a:headEnd type="none" w="med" len="med"/>
+                      <a:tailEnd type="none" w="med" len="med"/>
+                    </a:lnL>
+                    <a:lnR w="12700" cap="flat" cmpd="sng" algn="ctr">
+                      <a:solidFill>
+                        <a:schemeClr val="tx1"/>
+                      </a:solidFill>
+                      <a:prstDash val="solid"/>
+                      <a:round/>
+                      <a:headEnd type="none" w="med" len="med"/>
+                      <a:tailEnd type="none" w="med" len="med"/>
+                    </a:lnR>
+                    <a:lnT w="12700" cap="flat" cmpd="sng" algn="ctr">
+                      <a:solidFill>
+                        <a:schemeClr val="tx1"/>
+                      </a:solidFill>
+                      <a:prstDash val="solid"/>
+                      <a:round/>
+                      <a:headEnd type="none" w="med" len="med"/>
+                      <a:tailEnd type="none" w="med" len="med"/>
+                    </a:lnT>
+                    <a:lnB w="12700" cap="flat" cmpd="sng" algn="ctr">
+                      <a:solidFill>
+                        <a:schemeClr val="tx1"/>
+                      </a:solidFill>
+                      <a:prstDash val="solid"/>
+                      <a:round/>
+                      <a:headEnd type="none" w="med" len="med"/>
+                      <a:tailEnd type="none" w="med" len="med"/>
+                    </a:lnB>
+                    <a:lnTlToBr w="12700" cmpd="sng">
+                      <a:noFill/>
+                      <a:prstDash val="solid"/>
+                    </a:lnTlToBr>
+                    <a:lnBlToTr w="12700" cmpd="sng">
+                      <a:noFill/>
+                      <a:prstDash val="solid"/>
+                    </a:lnBlToTr>
+                    <a:noFill/>
+                  </a:tcPr>
+                </a:tc>
+                <a:tc>
+                  <a:txBody>
+                    <a:bodyPr/>
+                    <a:lstStyle/>
+                    <a:p>
+                      <a:endParaRPr lang="fr-FR" dirty="0"/>
+                    </a:p>
+                  </a:txBody>
+                  <a:tcPr>
+                    <a:lnL w="12700" cap="flat" cmpd="sng" algn="ctr">
+                      <a:solidFill>
+                        <a:schemeClr val="tx1"/>
+                      </a:solidFill>
+                      <a:prstDash val="solid"/>
+                      <a:round/>
+                      <a:headEnd type="none" w="med" len="med"/>
+                      <a:tailEnd type="none" w="med" len="med"/>
+                    </a:lnL>
+                    <a:lnR w="12700" cap="flat" cmpd="sng" algn="ctr">
+                      <a:solidFill>
+                        <a:schemeClr val="tx1"/>
+                      </a:solidFill>
+                      <a:prstDash val="solid"/>
+                      <a:round/>
+                      <a:headEnd type="none" w="med" len="med"/>
+                      <a:tailEnd type="none" w="med" len="med"/>
+                    </a:lnR>
+                    <a:lnT w="12700" cap="flat" cmpd="sng" algn="ctr">
+                      <a:solidFill>
+                        <a:schemeClr val="tx1"/>
+                      </a:solidFill>
+                      <a:prstDash val="solid"/>
+                      <a:round/>
+                      <a:headEnd type="none" w="med" len="med"/>
+                      <a:tailEnd type="none" w="med" len="med"/>
+                    </a:lnT>
+                    <a:lnB w="12700" cap="flat" cmpd="sng" algn="ctr">
+                      <a:solidFill>
+                        <a:schemeClr val="tx1"/>
+                      </a:solidFill>
+                      <a:prstDash val="solid"/>
+                      <a:round/>
+                      <a:headEnd type="none" w="med" len="med"/>
+                      <a:tailEnd type="none" w="med" len="med"/>
+                    </a:lnB>
+                    <a:lnTlToBr w="12700" cmpd="sng">
+                      <a:noFill/>
+                      <a:prstDash val="solid"/>
+                    </a:lnTlToBr>
+                    <a:lnBlToTr w="12700" cmpd="sng">
+                      <a:noFill/>
+                      <a:prstDash val="solid"/>
+                    </a:lnBlToTr>
+                    <a:solidFill>
+                      <a:srgbClr val="92D050"/>
+                    </a:solidFill>
+                  </a:tcPr>
+                </a:tc>
+                <a:tc>
+                  <a:txBody>
+                    <a:bodyPr/>
+                    <a:lstStyle/>
+                    <a:p>
+                      <a:endParaRPr lang="fr-FR" dirty="0"/>
+                    </a:p>
+                  </a:txBody>
+                  <a:tcPr>
+                    <a:lnL w="12700" cap="flat" cmpd="sng" algn="ctr">
+                      <a:solidFill>
+                        <a:schemeClr val="tx1"/>
+                      </a:solidFill>
+                      <a:prstDash val="solid"/>
+                      <a:round/>
+                      <a:headEnd type="none" w="med" len="med"/>
+                      <a:tailEnd type="none" w="med" len="med"/>
+                    </a:lnL>
+                    <a:lnR w="12700" cap="flat" cmpd="sng" algn="ctr">
+                      <a:solidFill>
+                        <a:schemeClr val="tx1"/>
+                      </a:solidFill>
+                      <a:prstDash val="solid"/>
+                      <a:round/>
+                      <a:headEnd type="none" w="med" len="med"/>
+                      <a:tailEnd type="none" w="med" len="med"/>
+                    </a:lnR>
+                    <a:lnT w="12700" cap="flat" cmpd="sng" algn="ctr">
+                      <a:solidFill>
+                        <a:schemeClr val="tx1"/>
+                      </a:solidFill>
+                      <a:prstDash val="solid"/>
+                      <a:round/>
+                      <a:headEnd type="none" w="med" len="med"/>
+                      <a:tailEnd type="none" w="med" len="med"/>
+                    </a:lnT>
+                    <a:lnB w="12700" cap="flat" cmpd="sng" algn="ctr">
+                      <a:solidFill>
+                        <a:schemeClr val="tx1"/>
+                      </a:solidFill>
+                      <a:prstDash val="solid"/>
+                      <a:round/>
+                      <a:headEnd type="none" w="med" len="med"/>
+                      <a:tailEnd type="none" w="med" len="med"/>
+                    </a:lnB>
+                    <a:lnTlToBr w="12700" cmpd="sng">
+                      <a:noFill/>
+                      <a:prstDash val="solid"/>
+                    </a:lnTlToBr>
+                    <a:lnBlToTr w="12700" cmpd="sng">
+                      <a:noFill/>
+                      <a:prstDash val="solid"/>
+                    </a:lnBlToTr>
+                    <a:solidFill>
+                      <a:srgbClr val="FF0000"/>
+                    </a:solidFill>
+                  </a:tcPr>
+                </a:tc>
+                <a:tc>
+                  <a:txBody>
+                    <a:bodyPr/>
+                    <a:lstStyle/>
+                    <a:p>
+                      <a:endParaRPr lang="fr-FR" dirty="0"/>
+                    </a:p>
+                  </a:txBody>
+                  <a:tcPr>
+                    <a:lnL w="12700" cap="flat" cmpd="sng" algn="ctr">
+                      <a:solidFill>
+                        <a:schemeClr val="tx1"/>
+                      </a:solidFill>
+                      <a:prstDash val="solid"/>
+                      <a:round/>
+                      <a:headEnd type="none" w="med" len="med"/>
+                      <a:tailEnd type="none" w="med" len="med"/>
+                    </a:lnL>
+                    <a:lnR w="12700" cap="flat" cmpd="sng" algn="ctr">
+                      <a:solidFill>
+                        <a:schemeClr val="tx1"/>
+                      </a:solidFill>
+                      <a:prstDash val="solid"/>
+                      <a:round/>
+                      <a:headEnd type="none" w="med" len="med"/>
+                      <a:tailEnd type="none" w="med" len="med"/>
+                    </a:lnR>
+                    <a:lnT w="12700" cap="flat" cmpd="sng" algn="ctr">
+                      <a:solidFill>
+                        <a:schemeClr val="tx1"/>
+                      </a:solidFill>
+                      <a:prstDash val="solid"/>
+                      <a:round/>
+                      <a:headEnd type="none" w="med" len="med"/>
+                      <a:tailEnd type="none" w="med" len="med"/>
+                    </a:lnT>
+                    <a:lnB w="12700" cap="flat" cmpd="sng" algn="ctr">
+                      <a:solidFill>
+                        <a:schemeClr val="tx1"/>
+                      </a:solidFill>
+                      <a:prstDash val="solid"/>
+                      <a:round/>
+                      <a:headEnd type="none" w="med" len="med"/>
+                      <a:tailEnd type="none" w="med" len="med"/>
+                    </a:lnB>
+                    <a:lnTlToBr w="12700" cmpd="sng">
+                      <a:noFill/>
+                      <a:prstDash val="solid"/>
+                    </a:lnTlToBr>
+                    <a:lnBlToTr w="12700" cmpd="sng">
+                      <a:noFill/>
+                      <a:prstDash val="solid"/>
+                    </a:lnBlToTr>
+                    <a:solidFill>
+                      <a:schemeClr val="bg1"/>
+                    </a:solidFill>
+                  </a:tcPr>
+                </a:tc>
+                <a:tc>
+                  <a:txBody>
+                    <a:bodyPr/>
+                    <a:lstStyle/>
+                    <a:p>
+                      <a:endParaRPr lang="fr-FR" dirty="0"/>
+                    </a:p>
+                  </a:txBody>
+                  <a:tcPr>
+                    <a:lnL w="12700" cap="flat" cmpd="sng" algn="ctr">
+                      <a:solidFill>
+                        <a:schemeClr val="tx1"/>
+                      </a:solidFill>
+                      <a:prstDash val="solid"/>
+                      <a:round/>
+                      <a:headEnd type="none" w="med" len="med"/>
+                      <a:tailEnd type="none" w="med" len="med"/>
+                    </a:lnL>
+                    <a:lnR w="12700" cap="flat" cmpd="sng" algn="ctr">
+                      <a:solidFill>
+                        <a:schemeClr val="tx1"/>
+                      </a:solidFill>
+                      <a:prstDash val="solid"/>
+                      <a:round/>
+                      <a:headEnd type="none" w="med" len="med"/>
+                      <a:tailEnd type="none" w="med" len="med"/>
+                    </a:lnR>
+                    <a:lnT w="12700" cap="flat" cmpd="sng" algn="ctr">
+                      <a:solidFill>
+                        <a:schemeClr val="tx1"/>
+                      </a:solidFill>
+                      <a:prstDash val="solid"/>
+                      <a:round/>
+                      <a:headEnd type="none" w="med" len="med"/>
+                      <a:tailEnd type="none" w="med" len="med"/>
+                    </a:lnT>
+                    <a:lnB w="12700" cap="flat" cmpd="sng" algn="ctr">
+                      <a:solidFill>
+                        <a:schemeClr val="tx1"/>
+                      </a:solidFill>
+                      <a:prstDash val="solid"/>
+                      <a:round/>
+                      <a:headEnd type="none" w="med" len="med"/>
+                      <a:tailEnd type="none" w="med" len="med"/>
+                    </a:lnB>
+                    <a:lnTlToBr w="12700" cmpd="sng">
+                      <a:noFill/>
+                      <a:prstDash val="solid"/>
+                    </a:lnTlToBr>
+                    <a:lnBlToTr w="12700" cmpd="sng">
+                      <a:noFill/>
+                      <a:prstDash val="solid"/>
+                    </a:lnBlToTr>
+                    <a:solidFill>
+                      <a:schemeClr val="accent1">
+                        <a:lumMod val="20000"/>
+                        <a:lumOff val="80000"/>
+                      </a:schemeClr>
+                    </a:solidFill>
+                  </a:tcPr>
+                </a:tc>
+                <a:tc>
+                  <a:txBody>
+                    <a:bodyPr/>
+                    <a:lstStyle/>
+                    <a:p>
+                      <a:endParaRPr lang="fr-FR" dirty="0"/>
+                    </a:p>
+                  </a:txBody>
+                  <a:tcPr>
+                    <a:lnL w="12700" cap="flat" cmpd="sng" algn="ctr">
+                      <a:solidFill>
+                        <a:schemeClr val="tx1"/>
+                      </a:solidFill>
+                      <a:prstDash val="solid"/>
+                      <a:round/>
+                      <a:headEnd type="none" w="med" len="med"/>
+                      <a:tailEnd type="none" w="med" len="med"/>
+                    </a:lnL>
+                    <a:lnR w="12700" cap="flat" cmpd="sng" algn="ctr">
+                      <a:solidFill>
+                        <a:schemeClr val="tx1"/>
+                      </a:solidFill>
+                      <a:prstDash val="solid"/>
+                      <a:round/>
+                      <a:headEnd type="none" w="med" len="med"/>
+                      <a:tailEnd type="none" w="med" len="med"/>
+                    </a:lnR>
+                    <a:lnT w="12700" cap="flat" cmpd="sng" algn="ctr">
+                      <a:solidFill>
+                        <a:schemeClr val="tx1"/>
+                      </a:solidFill>
+                      <a:prstDash val="solid"/>
+                      <a:round/>
+                      <a:headEnd type="none" w="med" len="med"/>
+                      <a:tailEnd type="none" w="med" len="med"/>
+                    </a:lnT>
+                    <a:lnB w="12700" cap="flat" cmpd="sng" algn="ctr">
+                      <a:solidFill>
+                        <a:schemeClr val="tx1"/>
+                      </a:solidFill>
+                      <a:prstDash val="solid"/>
+                      <a:round/>
+                      <a:headEnd type="none" w="med" len="med"/>
+                      <a:tailEnd type="none" w="med" len="med"/>
+                    </a:lnB>
+                    <a:lnTlToBr w="12700" cmpd="sng">
+                      <a:noFill/>
+                      <a:prstDash val="solid"/>
+                    </a:lnTlToBr>
+                    <a:lnBlToTr w="12700" cmpd="sng">
+                      <a:noFill/>
+                      <a:prstDash val="solid"/>
+                    </a:lnBlToTr>
+                    <a:solidFill>
+                      <a:schemeClr val="accent1">
+                        <a:lumMod val="20000"/>
+                        <a:lumOff val="80000"/>
+                      </a:schemeClr>
+                    </a:solidFill>
+                  </a:tcPr>
+                </a:tc>
+                <a:tc>
+                  <a:txBody>
+                    <a:bodyPr/>
+                    <a:lstStyle/>
+                    <a:p>
+                      <a:endParaRPr lang="fr-FR" dirty="0"/>
+                    </a:p>
+                  </a:txBody>
+                  <a:tcPr>
+                    <a:lnL w="12700" cap="flat" cmpd="sng" algn="ctr">
+                      <a:solidFill>
+                        <a:schemeClr val="tx1"/>
+                      </a:solidFill>
+                      <a:prstDash val="solid"/>
+                      <a:round/>
+                      <a:headEnd type="none" w="med" len="med"/>
+                      <a:tailEnd type="none" w="med" len="med"/>
+                    </a:lnL>
+                    <a:lnR w="12700" cap="flat" cmpd="sng" algn="ctr">
+                      <a:solidFill>
+                        <a:schemeClr val="tx1"/>
+                      </a:solidFill>
+                      <a:prstDash val="solid"/>
+                      <a:round/>
+                      <a:headEnd type="none" w="med" len="med"/>
+                      <a:tailEnd type="none" w="med" len="med"/>
+                    </a:lnR>
+                    <a:lnT w="12700" cap="flat" cmpd="sng" algn="ctr">
+                      <a:solidFill>
+                        <a:schemeClr val="tx1"/>
+                      </a:solidFill>
+                      <a:prstDash val="solid"/>
+                      <a:round/>
+                      <a:headEnd type="none" w="med" len="med"/>
+                      <a:tailEnd type="none" w="med" len="med"/>
+                    </a:lnT>
+                    <a:lnB w="12700" cap="flat" cmpd="sng" algn="ctr">
+                      <a:solidFill>
+                        <a:schemeClr val="tx1"/>
+                      </a:solidFill>
+                      <a:prstDash val="solid"/>
+                      <a:round/>
+                      <a:headEnd type="none" w="med" len="med"/>
+                      <a:tailEnd type="none" w="med" len="med"/>
+                    </a:lnB>
+                    <a:lnTlToBr w="12700" cmpd="sng">
+                      <a:noFill/>
+                      <a:prstDash val="solid"/>
+                    </a:lnTlToBr>
+                    <a:lnBlToTr w="12700" cmpd="sng">
+                      <a:noFill/>
+                      <a:prstDash val="solid"/>
+                    </a:lnBlToTr>
+                    <a:solidFill>
+                      <a:schemeClr val="accent1">
+                        <a:lumMod val="20000"/>
+                        <a:lumOff val="80000"/>
+                      </a:schemeClr>
+                    </a:solidFill>
+                  </a:tcPr>
+                </a:tc>
+                <a:extLst>
+                  <a:ext uri="{0D108BD9-81ED-4DB2-BD59-A6C34878D82A}">
+                    <a16:rowId xmlns:a16="http://schemas.microsoft.com/office/drawing/2014/main" val="834558588"/>
+                  </a:ext>
+                </a:extLst>
+              </a:tr>
+              <a:tr h="370840">
+                <a:tc>
+                  <a:txBody>
+                    <a:bodyPr/>
+                    <a:lstStyle/>
+                    <a:p>
+                      <a:r>
+                        <a:rPr lang="fr-FR" dirty="0" err="1"/>
+                        <a:t>Eleve</a:t>
+                      </a:r>
+                      <a:r>
+                        <a:rPr lang="fr-FR" dirty="0"/>
+                        <a:t> 2</a:t>
+                      </a:r>
+                    </a:p>
+                  </a:txBody>
+                  <a:tcPr>
+                    <a:lnL w="12700" cap="flat" cmpd="sng" algn="ctr">
+                      <a:solidFill>
+                        <a:schemeClr val="tx1"/>
+                      </a:solidFill>
+                      <a:prstDash val="solid"/>
+                      <a:round/>
+                      <a:headEnd type="none" w="med" len="med"/>
+                      <a:tailEnd type="none" w="med" len="med"/>
+                    </a:lnL>
+                    <a:lnR w="12700" cap="flat" cmpd="sng" algn="ctr">
+                      <a:solidFill>
+                        <a:schemeClr val="tx1"/>
+                      </a:solidFill>
+                      <a:prstDash val="solid"/>
+                      <a:round/>
+                      <a:headEnd type="none" w="med" len="med"/>
+                      <a:tailEnd type="none" w="med" len="med"/>
+                    </a:lnR>
+                    <a:lnT w="12700" cap="flat" cmpd="sng" algn="ctr">
+                      <a:solidFill>
+                        <a:schemeClr val="tx1"/>
+                      </a:solidFill>
+                      <a:prstDash val="solid"/>
+                      <a:round/>
+                      <a:headEnd type="none" w="med" len="med"/>
+                      <a:tailEnd type="none" w="med" len="med"/>
+                    </a:lnT>
+                    <a:lnB w="12700" cap="flat" cmpd="sng" algn="ctr">
+                      <a:solidFill>
+                        <a:schemeClr val="tx1"/>
+                      </a:solidFill>
+                      <a:prstDash val="solid"/>
+                      <a:round/>
+                      <a:headEnd type="none" w="med" len="med"/>
+                      <a:tailEnd type="none" w="med" len="med"/>
+                    </a:lnB>
+                    <a:lnTlToBr w="12700" cmpd="sng">
+                      <a:noFill/>
+                      <a:prstDash val="solid"/>
+                    </a:lnTlToBr>
+                    <a:lnBlToTr w="12700" cmpd="sng">
+                      <a:noFill/>
+                      <a:prstDash val="solid"/>
+                    </a:lnBlToTr>
+                    <a:noFill/>
+                  </a:tcPr>
+                </a:tc>
+                <a:tc>
+                  <a:txBody>
+                    <a:bodyPr/>
+                    <a:lstStyle/>
+                    <a:p>
+                      <a:endParaRPr lang="fr-FR"/>
+                    </a:p>
+                  </a:txBody>
+                  <a:tcPr>
+                    <a:lnL w="12700" cap="flat" cmpd="sng" algn="ctr">
+                      <a:solidFill>
+                        <a:schemeClr val="tx1"/>
+                      </a:solidFill>
+                      <a:prstDash val="solid"/>
+                      <a:round/>
+                      <a:headEnd type="none" w="med" len="med"/>
+                      <a:tailEnd type="none" w="med" len="med"/>
+                    </a:lnL>
+                    <a:lnR w="12700" cap="flat" cmpd="sng" algn="ctr">
+                      <a:solidFill>
+                        <a:schemeClr val="tx1"/>
+                      </a:solidFill>
+                      <a:prstDash val="solid"/>
+                      <a:round/>
+                      <a:headEnd type="none" w="med" len="med"/>
+                      <a:tailEnd type="none" w="med" len="med"/>
+                    </a:lnR>
+                    <a:lnT w="12700" cap="flat" cmpd="sng" algn="ctr">
+                      <a:solidFill>
+                        <a:schemeClr val="tx1"/>
+                      </a:solidFill>
+                      <a:prstDash val="solid"/>
+                      <a:round/>
+                      <a:headEnd type="none" w="med" len="med"/>
+                      <a:tailEnd type="none" w="med" len="med"/>
+                    </a:lnT>
+                    <a:lnB w="12700" cap="flat" cmpd="sng" algn="ctr">
+                      <a:solidFill>
+                        <a:schemeClr val="tx1"/>
+                      </a:solidFill>
+                      <a:prstDash val="solid"/>
+                      <a:round/>
+                      <a:headEnd type="none" w="med" len="med"/>
+                      <a:tailEnd type="none" w="med" len="med"/>
+                    </a:lnB>
+                    <a:lnTlToBr w="12700" cmpd="sng">
+                      <a:noFill/>
+                      <a:prstDash val="solid"/>
+                    </a:lnTlToBr>
+                    <a:lnBlToTr w="12700" cmpd="sng">
+                      <a:noFill/>
+                      <a:prstDash val="solid"/>
+                    </a:lnBlToTr>
+                    <a:noFill/>
+                  </a:tcPr>
+                </a:tc>
+                <a:tc>
+                  <a:txBody>
+                    <a:bodyPr/>
+                    <a:lstStyle/>
+                    <a:p>
+                      <a:endParaRPr lang="fr-FR"/>
+                    </a:p>
+                  </a:txBody>
+                  <a:tcPr>
+                    <a:lnL w="12700" cap="flat" cmpd="sng" algn="ctr">
+                      <a:solidFill>
+                        <a:schemeClr val="tx1"/>
+                      </a:solidFill>
+                      <a:prstDash val="solid"/>
+                      <a:round/>
+                      <a:headEnd type="none" w="med" len="med"/>
+                      <a:tailEnd type="none" w="med" len="med"/>
+                    </a:lnL>
+                    <a:lnR w="12700" cap="flat" cmpd="sng" algn="ctr">
+                      <a:solidFill>
+                        <a:schemeClr val="tx1"/>
+                      </a:solidFill>
+                      <a:prstDash val="solid"/>
+                      <a:round/>
+                      <a:headEnd type="none" w="med" len="med"/>
+                      <a:tailEnd type="none" w="med" len="med"/>
+                    </a:lnR>
+                    <a:lnT w="12700" cap="flat" cmpd="sng" algn="ctr">
+                      <a:solidFill>
+                        <a:schemeClr val="tx1"/>
+                      </a:solidFill>
+                      <a:prstDash val="solid"/>
+                      <a:round/>
+                      <a:headEnd type="none" w="med" len="med"/>
+                      <a:tailEnd type="none" w="med" len="med"/>
+                    </a:lnT>
+                    <a:lnB w="12700" cap="flat" cmpd="sng" algn="ctr">
+                      <a:solidFill>
+                        <a:schemeClr val="tx1"/>
+                      </a:solidFill>
+                      <a:prstDash val="solid"/>
+                      <a:round/>
+                      <a:headEnd type="none" w="med" len="med"/>
+                      <a:tailEnd type="none" w="med" len="med"/>
+                    </a:lnB>
+                    <a:lnTlToBr w="12700" cmpd="sng">
+                      <a:noFill/>
+                      <a:prstDash val="solid"/>
+                    </a:lnTlToBr>
+                    <a:lnBlToTr w="12700" cmpd="sng">
+                      <a:noFill/>
+                      <a:prstDash val="solid"/>
+                    </a:lnBlToTr>
+                    <a:noFill/>
+                  </a:tcPr>
+                </a:tc>
+                <a:tc>
+                  <a:txBody>
+                    <a:bodyPr/>
+                    <a:lstStyle/>
+                    <a:p>
+                      <a:endParaRPr lang="fr-FR"/>
+                    </a:p>
+                  </a:txBody>
+                  <a:tcPr>
+                    <a:lnL w="12700" cap="flat" cmpd="sng" algn="ctr">
+                      <a:solidFill>
+                        <a:schemeClr val="tx1"/>
+                      </a:solidFill>
+                      <a:prstDash val="solid"/>
+                      <a:round/>
+                      <a:headEnd type="none" w="med" len="med"/>
+                      <a:tailEnd type="none" w="med" len="med"/>
+                    </a:lnL>
+                    <a:lnR w="12700" cap="flat" cmpd="sng" algn="ctr">
+                      <a:solidFill>
+                        <a:schemeClr val="tx1"/>
+                      </a:solidFill>
+                      <a:prstDash val="solid"/>
+                      <a:round/>
+                      <a:headEnd type="none" w="med" len="med"/>
+                      <a:tailEnd type="none" w="med" len="med"/>
+                    </a:lnR>
+                    <a:lnT w="12700" cap="flat" cmpd="sng" algn="ctr">
+                      <a:solidFill>
+                        <a:schemeClr val="tx1"/>
+                      </a:solidFill>
+                      <a:prstDash val="solid"/>
+                      <a:round/>
+                      <a:headEnd type="none" w="med" len="med"/>
+                      <a:tailEnd type="none" w="med" len="med"/>
+                    </a:lnT>
+                    <a:lnB w="12700" cap="flat" cmpd="sng" algn="ctr">
+                      <a:solidFill>
+                        <a:schemeClr val="tx1"/>
+                      </a:solidFill>
+                      <a:prstDash val="solid"/>
+                      <a:round/>
+                      <a:headEnd type="none" w="med" len="med"/>
+                      <a:tailEnd type="none" w="med" len="med"/>
+                    </a:lnB>
+                    <a:lnTlToBr w="12700" cmpd="sng">
+                      <a:noFill/>
+                      <a:prstDash val="solid"/>
+                    </a:lnTlToBr>
+                    <a:lnBlToTr w="12700" cmpd="sng">
+                      <a:noFill/>
+                      <a:prstDash val="solid"/>
+                    </a:lnBlToTr>
+                    <a:noFill/>
+                  </a:tcPr>
+                </a:tc>
+                <a:tc>
+                  <a:txBody>
+                    <a:bodyPr/>
+                    <a:lstStyle/>
+                    <a:p>
+                      <a:endParaRPr lang="fr-FR"/>
+                    </a:p>
+                  </a:txBody>
+                  <a:tcPr>
+                    <a:lnL w="12700" cap="flat" cmpd="sng" algn="ctr">
+                      <a:solidFill>
+                        <a:schemeClr val="tx1"/>
+                      </a:solidFill>
+                      <a:prstDash val="solid"/>
+                      <a:round/>
+                      <a:headEnd type="none" w="med" len="med"/>
+                      <a:tailEnd type="none" w="med" len="med"/>
+                    </a:lnL>
+                    <a:lnR w="12700" cap="flat" cmpd="sng" algn="ctr">
+                      <a:solidFill>
+                        <a:schemeClr val="tx1"/>
+                      </a:solidFill>
+                      <a:prstDash val="solid"/>
+                      <a:round/>
+                      <a:headEnd type="none" w="med" len="med"/>
+                      <a:tailEnd type="none" w="med" len="med"/>
+                    </a:lnR>
+                    <a:lnT w="12700" cap="flat" cmpd="sng" algn="ctr">
+                      <a:solidFill>
+                        <a:schemeClr val="tx1"/>
+                      </a:solidFill>
+                      <a:prstDash val="solid"/>
+                      <a:round/>
+                      <a:headEnd type="none" w="med" len="med"/>
+                      <a:tailEnd type="none" w="med" len="med"/>
+                    </a:lnT>
+                    <a:lnB w="12700" cap="flat" cmpd="sng" algn="ctr">
+                      <a:solidFill>
+                        <a:schemeClr val="tx1"/>
+                      </a:solidFill>
+                      <a:prstDash val="solid"/>
+                      <a:round/>
+                      <a:headEnd type="none" w="med" len="med"/>
+                      <a:tailEnd type="none" w="med" len="med"/>
+                    </a:lnB>
+                    <a:lnTlToBr w="12700" cmpd="sng">
+                      <a:noFill/>
+                      <a:prstDash val="solid"/>
+                    </a:lnTlToBr>
+                    <a:lnBlToTr w="12700" cmpd="sng">
+                      <a:noFill/>
+                      <a:prstDash val="solid"/>
+                    </a:lnBlToTr>
+                    <a:noFill/>
+                  </a:tcPr>
+                </a:tc>
+                <a:tc>
+                  <a:txBody>
+                    <a:bodyPr/>
+                    <a:lstStyle/>
+                    <a:p>
+                      <a:endParaRPr lang="fr-FR"/>
+                    </a:p>
+                  </a:txBody>
+                  <a:tcPr>
+                    <a:lnL w="12700" cap="flat" cmpd="sng" algn="ctr">
+                      <a:solidFill>
+                        <a:schemeClr val="tx1"/>
+                      </a:solidFill>
+                      <a:prstDash val="solid"/>
+                      <a:round/>
+                      <a:headEnd type="none" w="med" len="med"/>
+                      <a:tailEnd type="none" w="med" len="med"/>
+                    </a:lnL>
+                    <a:lnR w="12700" cap="flat" cmpd="sng" algn="ctr">
+                      <a:solidFill>
+                        <a:schemeClr val="tx1"/>
+                      </a:solidFill>
+                      <a:prstDash val="solid"/>
+                      <a:round/>
+                      <a:headEnd type="none" w="med" len="med"/>
+                      <a:tailEnd type="none" w="med" len="med"/>
+                    </a:lnR>
+                    <a:lnT w="12700" cap="flat" cmpd="sng" algn="ctr">
+                      <a:solidFill>
+                        <a:schemeClr val="tx1"/>
+                      </a:solidFill>
+                      <a:prstDash val="solid"/>
+                      <a:round/>
+                      <a:headEnd type="none" w="med" len="med"/>
+                      <a:tailEnd type="none" w="med" len="med"/>
+                    </a:lnT>
+                    <a:lnB w="12700" cap="flat" cmpd="sng" algn="ctr">
+                      <a:solidFill>
+                        <a:schemeClr val="tx1"/>
+                      </a:solidFill>
+                      <a:prstDash val="solid"/>
+                      <a:round/>
+                      <a:headEnd type="none" w="med" len="med"/>
+                      <a:tailEnd type="none" w="med" len="med"/>
+                    </a:lnB>
+                    <a:lnTlToBr w="12700" cmpd="sng">
+                      <a:noFill/>
+                      <a:prstDash val="solid"/>
+                    </a:lnTlToBr>
+                    <a:lnBlToTr w="12700" cmpd="sng">
+                      <a:noFill/>
+                      <a:prstDash val="solid"/>
+                    </a:lnBlToTr>
+                    <a:noFill/>
+                  </a:tcPr>
+                </a:tc>
+                <a:tc>
+                  <a:txBody>
+                    <a:bodyPr/>
+                    <a:lstStyle/>
+                    <a:p>
+                      <a:endParaRPr lang="fr-FR"/>
+                    </a:p>
+                  </a:txBody>
+                  <a:tcPr>
+                    <a:lnL w="12700" cap="flat" cmpd="sng" algn="ctr">
+                      <a:solidFill>
+                        <a:schemeClr val="tx1"/>
+                      </a:solidFill>
+                      <a:prstDash val="solid"/>
+                      <a:round/>
+                      <a:headEnd type="none" w="med" len="med"/>
+                      <a:tailEnd type="none" w="med" len="med"/>
+                    </a:lnL>
+                    <a:lnR w="12700" cap="flat" cmpd="sng" algn="ctr">
+                      <a:solidFill>
+                        <a:schemeClr val="tx1"/>
+                      </a:solidFill>
+                      <a:prstDash val="solid"/>
+                      <a:round/>
+                      <a:headEnd type="none" w="med" len="med"/>
+                      <a:tailEnd type="none" w="med" len="med"/>
+                    </a:lnR>
+                    <a:lnT w="12700" cap="flat" cmpd="sng" algn="ctr">
+                      <a:solidFill>
+                        <a:schemeClr val="tx1"/>
+                      </a:solidFill>
+                      <a:prstDash val="solid"/>
+                      <a:round/>
+                      <a:headEnd type="none" w="med" len="med"/>
+                      <a:tailEnd type="none" w="med" len="med"/>
+                    </a:lnT>
+                    <a:lnB w="12700" cap="flat" cmpd="sng" algn="ctr">
+                      <a:solidFill>
+                        <a:schemeClr val="tx1"/>
+                      </a:solidFill>
+                      <a:prstDash val="solid"/>
+                      <a:round/>
+                      <a:headEnd type="none" w="med" len="med"/>
+                      <a:tailEnd type="none" w="med" len="med"/>
+                    </a:lnB>
+                    <a:lnTlToBr w="12700" cmpd="sng">
+                      <a:noFill/>
+                      <a:prstDash val="solid"/>
+                    </a:lnTlToBr>
+                    <a:lnBlToTr w="12700" cmpd="sng">
+                      <a:noFill/>
+                      <a:prstDash val="solid"/>
+                    </a:lnBlToTr>
+                    <a:noFill/>
+                  </a:tcPr>
+                </a:tc>
+                <a:extLst>
+                  <a:ext uri="{0D108BD9-81ED-4DB2-BD59-A6C34878D82A}">
+                    <a16:rowId xmlns:a16="http://schemas.microsoft.com/office/drawing/2014/main" val="1474069529"/>
+                  </a:ext>
+                </a:extLst>
+              </a:tr>
+              <a:tr h="370840">
+                <a:tc>
+                  <a:txBody>
+                    <a:bodyPr/>
+                    <a:lstStyle/>
+                    <a:p>
+                      <a:r>
+                        <a:rPr lang="fr-FR" dirty="0" err="1"/>
+                        <a:t>Eleve</a:t>
+                      </a:r>
+                      <a:r>
+                        <a:rPr lang="fr-FR" dirty="0"/>
+                        <a:t> 3</a:t>
+                      </a:r>
+                    </a:p>
+                  </a:txBody>
+                  <a:tcPr>
+                    <a:lnL w="12700" cap="flat" cmpd="sng" algn="ctr">
+                      <a:solidFill>
+                        <a:schemeClr val="tx1"/>
+                      </a:solidFill>
+                      <a:prstDash val="solid"/>
+                      <a:round/>
+                      <a:headEnd type="none" w="med" len="med"/>
+                      <a:tailEnd type="none" w="med" len="med"/>
+                    </a:lnL>
+                    <a:lnR w="12700" cap="flat" cmpd="sng" algn="ctr">
+                      <a:solidFill>
+                        <a:schemeClr val="tx1"/>
+                      </a:solidFill>
+                      <a:prstDash val="solid"/>
+                      <a:round/>
+                      <a:headEnd type="none" w="med" len="med"/>
+                      <a:tailEnd type="none" w="med" len="med"/>
+                    </a:lnR>
+                    <a:lnT w="12700" cap="flat" cmpd="sng" algn="ctr">
+                      <a:solidFill>
+                        <a:schemeClr val="tx1"/>
+                      </a:solidFill>
+                      <a:prstDash val="solid"/>
+                      <a:round/>
+                      <a:headEnd type="none" w="med" len="med"/>
+                      <a:tailEnd type="none" w="med" len="med"/>
+                    </a:lnT>
+                    <a:lnB w="12700" cap="flat" cmpd="sng" algn="ctr">
+                      <a:solidFill>
+                        <a:schemeClr val="tx1"/>
+                      </a:solidFill>
+                      <a:prstDash val="solid"/>
+                      <a:round/>
+                      <a:headEnd type="none" w="med" len="med"/>
+                      <a:tailEnd type="none" w="med" len="med"/>
+                    </a:lnB>
+                    <a:lnTlToBr w="12700" cmpd="sng">
+                      <a:noFill/>
+                      <a:prstDash val="solid"/>
+                    </a:lnTlToBr>
+                    <a:lnBlToTr w="12700" cmpd="sng">
+                      <a:noFill/>
+                      <a:prstDash val="solid"/>
+                    </a:lnBlToTr>
+                    <a:noFill/>
+                  </a:tcPr>
+                </a:tc>
+                <a:tc>
+                  <a:txBody>
+                    <a:bodyPr/>
+                    <a:lstStyle/>
+                    <a:p>
+                      <a:endParaRPr lang="fr-FR"/>
+                    </a:p>
+                  </a:txBody>
+                  <a:tcPr>
+                    <a:lnL w="12700" cap="flat" cmpd="sng" algn="ctr">
+                      <a:solidFill>
+                        <a:schemeClr val="tx1"/>
+                      </a:solidFill>
+                      <a:prstDash val="solid"/>
+                      <a:round/>
+                      <a:headEnd type="none" w="med" len="med"/>
+                      <a:tailEnd type="none" w="med" len="med"/>
+                    </a:lnL>
+                    <a:lnR w="12700" cap="flat" cmpd="sng" algn="ctr">
+                      <a:solidFill>
+                        <a:schemeClr val="tx1"/>
+                      </a:solidFill>
+                      <a:prstDash val="solid"/>
+                      <a:round/>
+                      <a:headEnd type="none" w="med" len="med"/>
+                      <a:tailEnd type="none" w="med" len="med"/>
+                    </a:lnR>
+                    <a:lnT w="12700" cap="flat" cmpd="sng" algn="ctr">
+                      <a:solidFill>
+                        <a:schemeClr val="tx1"/>
+                      </a:solidFill>
+                      <a:prstDash val="solid"/>
+                      <a:round/>
+                      <a:headEnd type="none" w="med" len="med"/>
+                      <a:tailEnd type="none" w="med" len="med"/>
+                    </a:lnT>
+                    <a:lnB w="12700" cap="flat" cmpd="sng" algn="ctr">
+                      <a:solidFill>
+                        <a:schemeClr val="tx1"/>
+                      </a:solidFill>
+                      <a:prstDash val="solid"/>
+                      <a:round/>
+                      <a:headEnd type="none" w="med" len="med"/>
+                      <a:tailEnd type="none" w="med" len="med"/>
+                    </a:lnB>
+                    <a:lnTlToBr w="12700" cmpd="sng">
+                      <a:noFill/>
+                      <a:prstDash val="solid"/>
+                    </a:lnTlToBr>
+                    <a:lnBlToTr w="12700" cmpd="sng">
+                      <a:noFill/>
+                      <a:prstDash val="solid"/>
+                    </a:lnBlToTr>
+                    <a:noFill/>
+                  </a:tcPr>
+                </a:tc>
+                <a:tc>
+                  <a:txBody>
+                    <a:bodyPr/>
+                    <a:lstStyle/>
+                    <a:p>
+                      <a:endParaRPr lang="fr-FR"/>
+                    </a:p>
+                  </a:txBody>
+                  <a:tcPr>
+                    <a:lnL w="12700" cap="flat" cmpd="sng" algn="ctr">
+                      <a:solidFill>
+                        <a:schemeClr val="tx1"/>
+                      </a:solidFill>
+                      <a:prstDash val="solid"/>
+                      <a:round/>
+                      <a:headEnd type="none" w="med" len="med"/>
+                      <a:tailEnd type="none" w="med" len="med"/>
+                    </a:lnL>
+                    <a:lnR w="12700" cap="flat" cmpd="sng" algn="ctr">
+                      <a:solidFill>
+                        <a:schemeClr val="tx1"/>
+                      </a:solidFill>
+                      <a:prstDash val="solid"/>
+                      <a:round/>
+                      <a:headEnd type="none" w="med" len="med"/>
+                      <a:tailEnd type="none" w="med" len="med"/>
+                    </a:lnR>
+                    <a:lnT w="12700" cap="flat" cmpd="sng" algn="ctr">
+                      <a:solidFill>
+                        <a:schemeClr val="tx1"/>
+                      </a:solidFill>
+                      <a:prstDash val="solid"/>
+                      <a:round/>
+                      <a:headEnd type="none" w="med" len="med"/>
+                      <a:tailEnd type="none" w="med" len="med"/>
+                    </a:lnT>
+                    <a:lnB w="12700" cap="flat" cmpd="sng" algn="ctr">
+                      <a:solidFill>
+                        <a:schemeClr val="tx1"/>
+                      </a:solidFill>
+                      <a:prstDash val="solid"/>
+                      <a:round/>
+                      <a:headEnd type="none" w="med" len="med"/>
+                      <a:tailEnd type="none" w="med" len="med"/>
+                    </a:lnB>
+                    <a:lnTlToBr w="12700" cmpd="sng">
+                      <a:noFill/>
+                      <a:prstDash val="solid"/>
+                    </a:lnTlToBr>
+                    <a:lnBlToTr w="12700" cmpd="sng">
+                      <a:noFill/>
+                      <a:prstDash val="solid"/>
+                    </a:lnBlToTr>
+                    <a:noFill/>
+                  </a:tcPr>
+                </a:tc>
+                <a:tc>
+                  <a:txBody>
+                    <a:bodyPr/>
+                    <a:lstStyle/>
+                    <a:p>
+                      <a:endParaRPr lang="fr-FR"/>
+                    </a:p>
+                  </a:txBody>
+                  <a:tcPr>
+                    <a:lnL w="12700" cap="flat" cmpd="sng" algn="ctr">
+                      <a:solidFill>
+                        <a:schemeClr val="tx1"/>
+                      </a:solidFill>
+                      <a:prstDash val="solid"/>
+                      <a:round/>
+                      <a:headEnd type="none" w="med" len="med"/>
+                      <a:tailEnd type="none" w="med" len="med"/>
+                    </a:lnL>
+                    <a:lnR w="12700" cap="flat" cmpd="sng" algn="ctr">
+                      <a:solidFill>
+                        <a:schemeClr val="tx1"/>
+                      </a:solidFill>
+                      <a:prstDash val="solid"/>
+                      <a:round/>
+                      <a:headEnd type="none" w="med" len="med"/>
+                      <a:tailEnd type="none" w="med" len="med"/>
+                    </a:lnR>
+                    <a:lnT w="12700" cap="flat" cmpd="sng" algn="ctr">
+                      <a:solidFill>
+                        <a:schemeClr val="tx1"/>
+                      </a:solidFill>
+                      <a:prstDash val="solid"/>
+                      <a:round/>
+                      <a:headEnd type="none" w="med" len="med"/>
+                      <a:tailEnd type="none" w="med" len="med"/>
+                    </a:lnT>
+                    <a:lnB w="12700" cap="flat" cmpd="sng" algn="ctr">
+                      <a:solidFill>
+                        <a:schemeClr val="tx1"/>
+                      </a:solidFill>
+                      <a:prstDash val="solid"/>
+                      <a:round/>
+                      <a:headEnd type="none" w="med" len="med"/>
+                      <a:tailEnd type="none" w="med" len="med"/>
+                    </a:lnB>
+                    <a:lnTlToBr w="12700" cmpd="sng">
+                      <a:noFill/>
+                      <a:prstDash val="solid"/>
+                    </a:lnTlToBr>
+                    <a:lnBlToTr w="12700" cmpd="sng">
+                      <a:noFill/>
+                      <a:prstDash val="solid"/>
+                    </a:lnBlToTr>
+                    <a:noFill/>
+                  </a:tcPr>
+                </a:tc>
+                <a:tc>
+                  <a:txBody>
+                    <a:bodyPr/>
+                    <a:lstStyle/>
+                    <a:p>
+                      <a:endParaRPr lang="fr-FR"/>
+                    </a:p>
+                  </a:txBody>
+                  <a:tcPr>
+                    <a:lnL w="12700" cap="flat" cmpd="sng" algn="ctr">
+                      <a:solidFill>
+                        <a:schemeClr val="tx1"/>
+                      </a:solidFill>
+                      <a:prstDash val="solid"/>
+                      <a:round/>
+                      <a:headEnd type="none" w="med" len="med"/>
+                      <a:tailEnd type="none" w="med" len="med"/>
+                    </a:lnL>
+                    <a:lnR w="12700" cap="flat" cmpd="sng" algn="ctr">
+                      <a:solidFill>
+                        <a:schemeClr val="tx1"/>
+                      </a:solidFill>
+                      <a:prstDash val="solid"/>
+                      <a:round/>
+                      <a:headEnd type="none" w="med" len="med"/>
+                      <a:tailEnd type="none" w="med" len="med"/>
+                    </a:lnR>
+                    <a:lnT w="12700" cap="flat" cmpd="sng" algn="ctr">
+                      <a:solidFill>
+                        <a:schemeClr val="tx1"/>
+                      </a:solidFill>
+                      <a:prstDash val="solid"/>
+                      <a:round/>
+                      <a:headEnd type="none" w="med" len="med"/>
+                      <a:tailEnd type="none" w="med" len="med"/>
+                    </a:lnT>
+                    <a:lnB w="12700" cap="flat" cmpd="sng" algn="ctr">
+                      <a:solidFill>
+                        <a:schemeClr val="tx1"/>
+                      </a:solidFill>
+                      <a:prstDash val="solid"/>
+                      <a:round/>
+                      <a:headEnd type="none" w="med" len="med"/>
+                      <a:tailEnd type="none" w="med" len="med"/>
+                    </a:lnB>
+                    <a:lnTlToBr w="12700" cmpd="sng">
+                      <a:noFill/>
+                      <a:prstDash val="solid"/>
+                    </a:lnTlToBr>
+                    <a:lnBlToTr w="12700" cmpd="sng">
+                      <a:noFill/>
+                      <a:prstDash val="solid"/>
+                    </a:lnBlToTr>
+                    <a:noFill/>
+                  </a:tcPr>
+                </a:tc>
+                <a:tc>
+                  <a:txBody>
+                    <a:bodyPr/>
+                    <a:lstStyle/>
+                    <a:p>
+                      <a:endParaRPr lang="fr-FR"/>
+                    </a:p>
+                  </a:txBody>
+                  <a:tcPr>
+                    <a:lnL w="12700" cap="flat" cmpd="sng" algn="ctr">
+                      <a:solidFill>
+                        <a:schemeClr val="tx1"/>
+                      </a:solidFill>
+                      <a:prstDash val="solid"/>
+                      <a:round/>
+                      <a:headEnd type="none" w="med" len="med"/>
+                      <a:tailEnd type="none" w="med" len="med"/>
+                    </a:lnL>
+                    <a:lnR w="12700" cap="flat" cmpd="sng" algn="ctr">
+                      <a:solidFill>
+                        <a:schemeClr val="tx1"/>
+                      </a:solidFill>
+                      <a:prstDash val="solid"/>
+                      <a:round/>
+                      <a:headEnd type="none" w="med" len="med"/>
+                      <a:tailEnd type="none" w="med" len="med"/>
+                    </a:lnR>
+                    <a:lnT w="12700" cap="flat" cmpd="sng" algn="ctr">
+                      <a:solidFill>
+                        <a:schemeClr val="tx1"/>
+                      </a:solidFill>
+                      <a:prstDash val="solid"/>
+                      <a:round/>
+                      <a:headEnd type="none" w="med" len="med"/>
+                      <a:tailEnd type="none" w="med" len="med"/>
+                    </a:lnT>
+                    <a:lnB w="12700" cap="flat" cmpd="sng" algn="ctr">
+                      <a:solidFill>
+                        <a:schemeClr val="tx1"/>
+                      </a:solidFill>
+                      <a:prstDash val="solid"/>
+                      <a:round/>
+                      <a:headEnd type="none" w="med" len="med"/>
+                      <a:tailEnd type="none" w="med" len="med"/>
+                    </a:lnB>
+                    <a:lnTlToBr w="12700" cmpd="sng">
+                      <a:noFill/>
+                      <a:prstDash val="solid"/>
+                    </a:lnTlToBr>
+                    <a:lnBlToTr w="12700" cmpd="sng">
+                      <a:noFill/>
+                      <a:prstDash val="solid"/>
+                    </a:lnBlToTr>
+                    <a:noFill/>
+                  </a:tcPr>
+                </a:tc>
+                <a:tc>
+                  <a:txBody>
+                    <a:bodyPr/>
+                    <a:lstStyle/>
+                    <a:p>
+                      <a:endParaRPr lang="fr-FR"/>
+                    </a:p>
+                  </a:txBody>
+                  <a:tcPr>
+                    <a:lnL w="12700" cap="flat" cmpd="sng" algn="ctr">
+                      <a:solidFill>
+                        <a:schemeClr val="tx1"/>
+                      </a:solidFill>
+                      <a:prstDash val="solid"/>
+                      <a:round/>
+                      <a:headEnd type="none" w="med" len="med"/>
+                      <a:tailEnd type="none" w="med" len="med"/>
+                    </a:lnL>
+                    <a:lnR w="12700" cap="flat" cmpd="sng" algn="ctr">
+                      <a:solidFill>
+                        <a:schemeClr val="tx1"/>
+                      </a:solidFill>
+                      <a:prstDash val="solid"/>
+                      <a:round/>
+                      <a:headEnd type="none" w="med" len="med"/>
+                      <a:tailEnd type="none" w="med" len="med"/>
+                    </a:lnR>
+                    <a:lnT w="12700" cap="flat" cmpd="sng" algn="ctr">
+                      <a:solidFill>
+                        <a:schemeClr val="tx1"/>
+                      </a:solidFill>
+                      <a:prstDash val="solid"/>
+                      <a:round/>
+                      <a:headEnd type="none" w="med" len="med"/>
+                      <a:tailEnd type="none" w="med" len="med"/>
+                    </a:lnT>
+                    <a:lnB w="12700" cap="flat" cmpd="sng" algn="ctr">
+                      <a:solidFill>
+                        <a:schemeClr val="tx1"/>
+                      </a:solidFill>
+                      <a:prstDash val="solid"/>
+                      <a:round/>
+                      <a:headEnd type="none" w="med" len="med"/>
+                      <a:tailEnd type="none" w="med" len="med"/>
+                    </a:lnB>
+                    <a:lnTlToBr w="12700" cmpd="sng">
+                      <a:noFill/>
+                      <a:prstDash val="solid"/>
+                    </a:lnTlToBr>
+                    <a:lnBlToTr w="12700" cmpd="sng">
+                      <a:noFill/>
+                      <a:prstDash val="solid"/>
+                    </a:lnBlToTr>
+                    <a:noFill/>
+                  </a:tcPr>
+                </a:tc>
+                <a:extLst>
+                  <a:ext uri="{0D108BD9-81ED-4DB2-BD59-A6C34878D82A}">
+                    <a16:rowId xmlns:a16="http://schemas.microsoft.com/office/drawing/2014/main" val="123158931"/>
+                  </a:ext>
+                </a:extLst>
+              </a:tr>
+              <a:tr h="370840">
+                <a:tc>
+                  <a:txBody>
+                    <a:bodyPr/>
+                    <a:lstStyle/>
+                    <a:p>
+                      <a:endParaRPr lang="fr-FR" dirty="0"/>
+                    </a:p>
+                  </a:txBody>
+                  <a:tcPr>
+                    <a:lnL w="12700" cap="flat" cmpd="sng" algn="ctr">
+                      <a:solidFill>
+                        <a:schemeClr val="tx1"/>
+                      </a:solidFill>
+                      <a:prstDash val="solid"/>
+                      <a:round/>
+                      <a:headEnd type="none" w="med" len="med"/>
+                      <a:tailEnd type="none" w="med" len="med"/>
+                    </a:lnL>
+                    <a:lnR w="12700" cap="flat" cmpd="sng" algn="ctr">
+                      <a:solidFill>
+                        <a:schemeClr val="tx1"/>
+                      </a:solidFill>
+                      <a:prstDash val="solid"/>
+                      <a:round/>
+                      <a:headEnd type="none" w="med" len="med"/>
+                      <a:tailEnd type="none" w="med" len="med"/>
+                    </a:lnR>
+                    <a:lnT w="12700" cap="flat" cmpd="sng" algn="ctr">
+                      <a:solidFill>
+                        <a:schemeClr val="tx1"/>
+                      </a:solidFill>
+                      <a:prstDash val="solid"/>
+                      <a:round/>
+                      <a:headEnd type="none" w="med" len="med"/>
+                      <a:tailEnd type="none" w="med" len="med"/>
+                    </a:lnT>
+                    <a:lnB w="12700" cap="flat" cmpd="sng" algn="ctr">
+                      <a:solidFill>
+                        <a:schemeClr val="tx1"/>
+                      </a:solidFill>
+                      <a:prstDash val="solid"/>
+                      <a:round/>
+                      <a:headEnd type="none" w="med" len="med"/>
+                      <a:tailEnd type="none" w="med" len="med"/>
+                    </a:lnB>
+                    <a:lnTlToBr w="12700" cmpd="sng">
+                      <a:noFill/>
+                      <a:prstDash val="solid"/>
+                    </a:lnTlToBr>
+                    <a:lnBlToTr w="12700" cmpd="sng">
+                      <a:noFill/>
+                      <a:prstDash val="solid"/>
+                    </a:lnBlToTr>
+                    <a:noFill/>
+                  </a:tcPr>
+                </a:tc>
+                <a:tc>
+                  <a:txBody>
+                    <a:bodyPr/>
+                    <a:lstStyle/>
+                    <a:p>
+                      <a:endParaRPr lang="fr-FR" dirty="0"/>
+                    </a:p>
+                  </a:txBody>
+                  <a:tcPr>
+                    <a:lnL w="12700" cap="flat" cmpd="sng" algn="ctr">
+                      <a:solidFill>
+                        <a:schemeClr val="tx1"/>
+                      </a:solidFill>
+                      <a:prstDash val="solid"/>
+                      <a:round/>
+                      <a:headEnd type="none" w="med" len="med"/>
+                      <a:tailEnd type="none" w="med" len="med"/>
+                    </a:lnL>
+                    <a:lnR w="12700" cap="flat" cmpd="sng" algn="ctr">
+                      <a:solidFill>
+                        <a:schemeClr val="tx1"/>
+                      </a:solidFill>
+                      <a:prstDash val="solid"/>
+                      <a:round/>
+                      <a:headEnd type="none" w="med" len="med"/>
+                      <a:tailEnd type="none" w="med" len="med"/>
+                    </a:lnR>
+                    <a:lnT w="12700" cap="flat" cmpd="sng" algn="ctr">
+                      <a:solidFill>
+                        <a:schemeClr val="tx1"/>
+                      </a:solidFill>
+                      <a:prstDash val="solid"/>
+                      <a:round/>
+                      <a:headEnd type="none" w="med" len="med"/>
+                      <a:tailEnd type="none" w="med" len="med"/>
+                    </a:lnT>
+                    <a:lnB w="12700" cap="flat" cmpd="sng" algn="ctr">
+                      <a:solidFill>
+                        <a:schemeClr val="tx1"/>
+                      </a:solidFill>
+                      <a:prstDash val="solid"/>
+                      <a:round/>
+                      <a:headEnd type="none" w="med" len="med"/>
+                      <a:tailEnd type="none" w="med" len="med"/>
+                    </a:lnB>
+                    <a:lnTlToBr w="12700" cmpd="sng">
+                      <a:noFill/>
+                      <a:prstDash val="solid"/>
+                    </a:lnTlToBr>
+                    <a:lnBlToTr w="12700" cmpd="sng">
+                      <a:noFill/>
+                      <a:prstDash val="solid"/>
+                    </a:lnBlToTr>
+                    <a:noFill/>
+                  </a:tcPr>
+                </a:tc>
+                <a:tc>
+                  <a:txBody>
+                    <a:bodyPr/>
+                    <a:lstStyle/>
+                    <a:p>
+                      <a:endParaRPr lang="fr-FR" dirty="0"/>
+                    </a:p>
+                  </a:txBody>
+                  <a:tcPr>
+                    <a:lnL w="12700" cap="flat" cmpd="sng" algn="ctr">
+                      <a:solidFill>
+                        <a:schemeClr val="tx1"/>
+                      </a:solidFill>
+                      <a:prstDash val="solid"/>
+                      <a:round/>
+                      <a:headEnd type="none" w="med" len="med"/>
+                      <a:tailEnd type="none" w="med" len="med"/>
+                    </a:lnL>
+                    <a:lnR w="12700" cap="flat" cmpd="sng" algn="ctr">
+                      <a:solidFill>
+                        <a:schemeClr val="tx1"/>
+                      </a:solidFill>
+                      <a:prstDash val="solid"/>
+                      <a:round/>
+                      <a:headEnd type="none" w="med" len="med"/>
+                      <a:tailEnd type="none" w="med" len="med"/>
+                    </a:lnR>
+                    <a:lnT w="12700" cap="flat" cmpd="sng" algn="ctr">
+                      <a:solidFill>
+                        <a:schemeClr val="tx1"/>
+                      </a:solidFill>
+                      <a:prstDash val="solid"/>
+                      <a:round/>
+                      <a:headEnd type="none" w="med" len="med"/>
+                      <a:tailEnd type="none" w="med" len="med"/>
+                    </a:lnT>
+                    <a:lnB w="12700" cap="flat" cmpd="sng" algn="ctr">
+                      <a:solidFill>
+                        <a:schemeClr val="tx1"/>
+                      </a:solidFill>
+                      <a:prstDash val="solid"/>
+                      <a:round/>
+                      <a:headEnd type="none" w="med" len="med"/>
+                      <a:tailEnd type="none" w="med" len="med"/>
+                    </a:lnB>
+                    <a:lnTlToBr w="12700" cmpd="sng">
+                      <a:noFill/>
+                      <a:prstDash val="solid"/>
+                    </a:lnTlToBr>
+                    <a:lnBlToTr w="12700" cmpd="sng">
+                      <a:noFill/>
+                      <a:prstDash val="solid"/>
+                    </a:lnBlToTr>
+                    <a:noFill/>
+                  </a:tcPr>
+                </a:tc>
+                <a:tc>
+                  <a:txBody>
+                    <a:bodyPr/>
+                    <a:lstStyle/>
+                    <a:p>
+                      <a:endParaRPr lang="fr-FR" dirty="0"/>
+                    </a:p>
+                  </a:txBody>
+                  <a:tcPr>
+                    <a:lnL w="12700" cap="flat" cmpd="sng" algn="ctr">
+                      <a:solidFill>
+                        <a:schemeClr val="tx1"/>
+                      </a:solidFill>
+                      <a:prstDash val="solid"/>
+                      <a:round/>
+                      <a:headEnd type="none" w="med" len="med"/>
+                      <a:tailEnd type="none" w="med" len="med"/>
+                    </a:lnL>
+                    <a:lnR w="12700" cap="flat" cmpd="sng" algn="ctr">
+                      <a:solidFill>
+                        <a:schemeClr val="tx1"/>
+                      </a:solidFill>
+                      <a:prstDash val="solid"/>
+                      <a:round/>
+                      <a:headEnd type="none" w="med" len="med"/>
+                      <a:tailEnd type="none" w="med" len="med"/>
+                    </a:lnR>
+                    <a:lnT w="12700" cap="flat" cmpd="sng" algn="ctr">
+                      <a:solidFill>
+                        <a:schemeClr val="tx1"/>
+                      </a:solidFill>
+                      <a:prstDash val="solid"/>
+                      <a:round/>
+                      <a:headEnd type="none" w="med" len="med"/>
+                      <a:tailEnd type="none" w="med" len="med"/>
+                    </a:lnT>
+                    <a:lnB w="12700" cap="flat" cmpd="sng" algn="ctr">
+                      <a:solidFill>
+                        <a:schemeClr val="tx1"/>
+                      </a:solidFill>
+                      <a:prstDash val="solid"/>
+                      <a:round/>
+                      <a:headEnd type="none" w="med" len="med"/>
+                      <a:tailEnd type="none" w="med" len="med"/>
+                    </a:lnB>
+                    <a:lnTlToBr w="12700" cmpd="sng">
+                      <a:noFill/>
+                      <a:prstDash val="solid"/>
+                    </a:lnTlToBr>
+                    <a:lnBlToTr w="12700" cmpd="sng">
+                      <a:noFill/>
+                      <a:prstDash val="solid"/>
+                    </a:lnBlToTr>
+                    <a:noFill/>
+                  </a:tcPr>
+                </a:tc>
+                <a:tc>
+                  <a:txBody>
+                    <a:bodyPr/>
+                    <a:lstStyle/>
+                    <a:p>
+                      <a:endParaRPr lang="fr-FR" dirty="0"/>
+                    </a:p>
+                  </a:txBody>
+                  <a:tcPr>
+                    <a:lnL w="12700" cap="flat" cmpd="sng" algn="ctr">
+                      <a:solidFill>
+                        <a:schemeClr val="tx1"/>
+                      </a:solidFill>
+                      <a:prstDash val="solid"/>
+                      <a:round/>
+                      <a:headEnd type="none" w="med" len="med"/>
+                      <a:tailEnd type="none" w="med" len="med"/>
+                    </a:lnL>
+                    <a:lnR w="12700" cap="flat" cmpd="sng" algn="ctr">
+                      <a:solidFill>
+                        <a:schemeClr val="tx1"/>
+                      </a:solidFill>
+                      <a:prstDash val="solid"/>
+                      <a:round/>
+                      <a:headEnd type="none" w="med" len="med"/>
+                      <a:tailEnd type="none" w="med" len="med"/>
+                    </a:lnR>
+                    <a:lnT w="12700" cap="flat" cmpd="sng" algn="ctr">
+                      <a:solidFill>
+                        <a:schemeClr val="tx1"/>
+                      </a:solidFill>
+                      <a:prstDash val="solid"/>
+                      <a:round/>
+                      <a:headEnd type="none" w="med" len="med"/>
+                      <a:tailEnd type="none" w="med" len="med"/>
+                    </a:lnT>
+                    <a:lnB w="12700" cap="flat" cmpd="sng" algn="ctr">
+                      <a:solidFill>
+                        <a:schemeClr val="tx1"/>
+                      </a:solidFill>
+                      <a:prstDash val="solid"/>
+                      <a:round/>
+                      <a:headEnd type="none" w="med" len="med"/>
+                      <a:tailEnd type="none" w="med" len="med"/>
+                    </a:lnB>
+                    <a:lnTlToBr w="12700" cmpd="sng">
+                      <a:noFill/>
+                      <a:prstDash val="solid"/>
+                    </a:lnTlToBr>
+                    <a:lnBlToTr w="12700" cmpd="sng">
+                      <a:noFill/>
+                      <a:prstDash val="solid"/>
+                    </a:lnBlToTr>
+                    <a:noFill/>
+                  </a:tcPr>
+                </a:tc>
+                <a:tc>
+                  <a:txBody>
+                    <a:bodyPr/>
+                    <a:lstStyle/>
+                    <a:p>
+                      <a:endParaRPr lang="fr-FR" dirty="0"/>
+                    </a:p>
+                  </a:txBody>
+                  <a:tcPr>
+                    <a:lnL w="12700" cap="flat" cmpd="sng" algn="ctr">
+                      <a:solidFill>
+                        <a:schemeClr val="tx1"/>
+                      </a:solidFill>
+                      <a:prstDash val="solid"/>
+                      <a:round/>
+                      <a:headEnd type="none" w="med" len="med"/>
+                      <a:tailEnd type="none" w="med" len="med"/>
+                    </a:lnL>
+                    <a:lnR w="12700" cap="flat" cmpd="sng" algn="ctr">
+                      <a:solidFill>
+                        <a:schemeClr val="tx1"/>
+                      </a:solidFill>
+                      <a:prstDash val="solid"/>
+                      <a:round/>
+                      <a:headEnd type="none" w="med" len="med"/>
+                      <a:tailEnd type="none" w="med" len="med"/>
+                    </a:lnR>
+                    <a:lnT w="12700" cap="flat" cmpd="sng" algn="ctr">
+                      <a:solidFill>
+                        <a:schemeClr val="tx1"/>
+                      </a:solidFill>
+                      <a:prstDash val="solid"/>
+                      <a:round/>
+                      <a:headEnd type="none" w="med" len="med"/>
+                      <a:tailEnd type="none" w="med" len="med"/>
+                    </a:lnT>
+                    <a:lnB w="12700" cap="flat" cmpd="sng" algn="ctr">
+                      <a:solidFill>
+                        <a:schemeClr val="tx1"/>
+                      </a:solidFill>
+                      <a:prstDash val="solid"/>
+                      <a:round/>
+                      <a:headEnd type="none" w="med" len="med"/>
+                      <a:tailEnd type="none" w="med" len="med"/>
+                    </a:lnB>
+                    <a:lnTlToBr w="12700" cmpd="sng">
+                      <a:noFill/>
+                      <a:prstDash val="solid"/>
+                    </a:lnTlToBr>
+                    <a:lnBlToTr w="12700" cmpd="sng">
+                      <a:noFill/>
+                      <a:prstDash val="solid"/>
+                    </a:lnBlToTr>
+                    <a:noFill/>
+                  </a:tcPr>
+                </a:tc>
+                <a:tc>
+                  <a:txBody>
+                    <a:bodyPr/>
+                    <a:lstStyle/>
+                    <a:p>
+                      <a:endParaRPr lang="fr-FR" dirty="0"/>
+                    </a:p>
+                  </a:txBody>
+                  <a:tcPr>
+                    <a:lnL w="12700" cap="flat" cmpd="sng" algn="ctr">
+                      <a:solidFill>
+                        <a:schemeClr val="tx1"/>
+                      </a:solidFill>
+                      <a:prstDash val="solid"/>
+                      <a:round/>
+                      <a:headEnd type="none" w="med" len="med"/>
+                      <a:tailEnd type="none" w="med" len="med"/>
+                    </a:lnL>
+                    <a:lnR w="12700" cap="flat" cmpd="sng" algn="ctr">
+                      <a:solidFill>
+                        <a:schemeClr val="tx1"/>
+                      </a:solidFill>
+                      <a:prstDash val="solid"/>
+                      <a:round/>
+                      <a:headEnd type="none" w="med" len="med"/>
+                      <a:tailEnd type="none" w="med" len="med"/>
+                    </a:lnR>
+                    <a:lnT w="12700" cap="flat" cmpd="sng" algn="ctr">
+                      <a:solidFill>
+                        <a:schemeClr val="tx1"/>
+                      </a:solidFill>
+                      <a:prstDash val="solid"/>
+                      <a:round/>
+                      <a:headEnd type="none" w="med" len="med"/>
+                      <a:tailEnd type="none" w="med" len="med"/>
+                    </a:lnT>
+                    <a:lnB w="12700" cap="flat" cmpd="sng" algn="ctr">
+                      <a:solidFill>
+                        <a:schemeClr val="tx1"/>
+                      </a:solidFill>
+                      <a:prstDash val="solid"/>
+                      <a:round/>
+                      <a:headEnd type="none" w="med" len="med"/>
+                      <a:tailEnd type="none" w="med" len="med"/>
+                    </a:lnB>
+                    <a:lnTlToBr w="12700" cmpd="sng">
+                      <a:noFill/>
+                      <a:prstDash val="solid"/>
+                    </a:lnTlToBr>
+                    <a:lnBlToTr w="12700" cmpd="sng">
+                      <a:noFill/>
+                      <a:prstDash val="solid"/>
+                    </a:lnBlToTr>
+                    <a:noFill/>
+                  </a:tcPr>
+                </a:tc>
+                <a:extLst>
+                  <a:ext uri="{0D108BD9-81ED-4DB2-BD59-A6C34878D82A}">
+                    <a16:rowId xmlns:a16="http://schemas.microsoft.com/office/drawing/2014/main" val="29201701"/>
+                  </a:ext>
+                </a:extLst>
+              </a:tr>
+            </a:tbl>
+          </a:graphicData>
+        </a:graphic>
+      </p:graphicFrame>
+    </p:spTree>
+    <p:extLst>
+      <p:ext uri="{BB962C8B-B14F-4D97-AF65-F5344CB8AC3E}">
+        <p14:creationId xmlns:p14="http://schemas.microsoft.com/office/powerpoint/2010/main" val="1443677013"/>
+      </p:ext>
+    </p:extLst>
+  </p:cSld>
+  <p:clrMapOvr>
+    <a:masterClrMapping/>
+  </p:clrMapOvr>
+</p:sld>
+</file>
+
+<file path=ppt/slides/slide4.xml><?xml version="1.0" encoding="utf-8"?>
+<p:sld xmlns:a="http://schemas.openxmlformats.org/drawingml/2006/main" xmlns:r="http://schemas.openxmlformats.org/officeDocument/2006/relationships" xmlns:p="http://schemas.openxmlformats.org/presentationml/2006/main">
+  <p:cSld>
+    <p:spTree>
+      <p:nvGrpSpPr>
+        <p:cNvPr id="1" name=""/>
+        <p:cNvGrpSpPr/>
+        <p:nvPr/>
+      </p:nvGrpSpPr>
+      <p:grpSpPr>
+        <a:xfrm>
+          <a:off x="0" y="0"/>
+          <a:ext cx="0" cy="0"/>
+          <a:chOff x="0" y="0"/>
+          <a:chExt cx="0" cy="0"/>
+        </a:xfrm>
+      </p:grpSpPr>
+      <p:sp>
+        <p:nvSpPr>
+          <p:cNvPr id="2" name="Titre 1">
+            <a:extLst>
+              <a:ext uri="{FF2B5EF4-FFF2-40B4-BE49-F238E27FC236}">
+                <a16:creationId xmlns:a16="http://schemas.microsoft.com/office/drawing/2014/main" id="{EBB6D4D3-088E-4927-B50E-32AC91FAFA8B}"/>
+              </a:ext>
+            </a:extLst>
+          </p:cNvPr>
+          <p:cNvSpPr>
+            <a:spLocks noGrp="1"/>
+          </p:cNvSpPr>
+          <p:nvPr>
+            <p:ph type="title"/>
+          </p:nvPr>
+        </p:nvSpPr>
+        <p:spPr/>
+        <p:txBody>
+          <a:bodyPr/>
+          <a:lstStyle/>
+          <a:p>
+            <a:r>
+              <a:rPr lang="fr-FR" dirty="0"/>
+              <a:t>Statistiques générales</a:t>
+            </a:r>
+          </a:p>
+        </p:txBody>
+      </p:sp>
+      <p:pic>
+        <p:nvPicPr>
+          <p:cNvPr id="5" name="Espace réservé du contenu 4">
+            <a:extLst>
+              <a:ext uri="{FF2B5EF4-FFF2-40B4-BE49-F238E27FC236}">
+                <a16:creationId xmlns:a16="http://schemas.microsoft.com/office/drawing/2014/main" id="{D7F8C8E4-3FB1-4B6E-AD97-41FE768C08BC}"/>
+              </a:ext>
+            </a:extLst>
+          </p:cNvPr>
+          <p:cNvPicPr>
+            <a:picLocks noGrp="1" noChangeAspect="1"/>
+          </p:cNvPicPr>
+          <p:nvPr>
+            <p:ph idx="1"/>
+          </p:nvPr>
+        </p:nvPicPr>
+        <p:blipFill>
+          <a:blip r:embed="rId2"/>
+          <a:stretch>
+            <a:fillRect/>
+          </a:stretch>
+        </p:blipFill>
+        <p:spPr>
+          <a:xfrm>
+            <a:off x="838200" y="1405894"/>
+            <a:ext cx="8115717" cy="2425825"/>
+          </a:xfrm>
+        </p:spPr>
+      </p:pic>
+      <p:pic>
+        <p:nvPicPr>
+          <p:cNvPr id="7" name="Image 6">
+            <a:extLst>
+              <a:ext uri="{FF2B5EF4-FFF2-40B4-BE49-F238E27FC236}">
+                <a16:creationId xmlns:a16="http://schemas.microsoft.com/office/drawing/2014/main" id="{C6487DBB-D8FE-47EB-8C7A-166FB1971963}"/>
+              </a:ext>
+            </a:extLst>
+          </p:cNvPr>
+          <p:cNvPicPr>
+            <a:picLocks noChangeAspect="1"/>
+          </p:cNvPicPr>
+          <p:nvPr/>
+        </p:nvPicPr>
+        <p:blipFill>
+          <a:blip r:embed="rId3"/>
+          <a:stretch>
+            <a:fillRect/>
+          </a:stretch>
+        </p:blipFill>
+        <p:spPr>
+          <a:xfrm>
+            <a:off x="838200" y="3831719"/>
+            <a:ext cx="3690257" cy="2386181"/>
+          </a:xfrm>
+          <a:prstGeom prst="rect">
+            <a:avLst/>
+          </a:prstGeom>
+        </p:spPr>
+      </p:pic>
+    </p:spTree>
+    <p:extLst>
+      <p:ext uri="{BB962C8B-B14F-4D97-AF65-F5344CB8AC3E}">
+        <p14:creationId xmlns:p14="http://schemas.microsoft.com/office/powerpoint/2010/main" val="3785269855"/>
+      </p:ext>
+    </p:extLst>
+  </p:cSld>
+  <p:clrMapOvr>
+    <a:masterClrMapping/>
+  </p:clrMapOvr>
+</p:sld>
+</file>
+
+<file path=ppt/slides/slide5.xml><?xml version="1.0" encoding="utf-8"?>
+<p:sld xmlns:a="http://schemas.openxmlformats.org/drawingml/2006/main" xmlns:r="http://schemas.openxmlformats.org/officeDocument/2006/relationships" xmlns:p="http://schemas.openxmlformats.org/presentationml/2006/main">
+  <p:cSld>
+    <p:spTree>
+      <p:nvGrpSpPr>
+        <p:cNvPr id="1" name=""/>
+        <p:cNvGrpSpPr/>
+        <p:nvPr/>
+      </p:nvGrpSpPr>
+      <p:grpSpPr>
+        <a:xfrm>
+          <a:off x="0" y="0"/>
+          <a:ext cx="0" cy="0"/>
+          <a:chOff x="0" y="0"/>
+          <a:chExt cx="0" cy="0"/>
+        </a:xfrm>
+      </p:grpSpPr>
+      <p:sp>
+        <p:nvSpPr>
+          <p:cNvPr id="2" name="Titre 1">
+            <a:extLst>
+              <a:ext uri="{FF2B5EF4-FFF2-40B4-BE49-F238E27FC236}">
                 <a16:creationId xmlns:a16="http://schemas.microsoft.com/office/drawing/2014/main" id="{916B751B-8EC1-433B-87C1-3DEF8076C8AB}"/>
               </a:ext>
             </a:extLst>
@@ -3718,7 +7661,7 @@
 </p:sld>
 </file>
 
-<file path=ppt/slides/slide4.xml><?xml version="1.0" encoding="utf-8"?>
+<file path=ppt/slides/slide6.xml><?xml version="1.0" encoding="utf-8"?>
 <p:sld xmlns:a="http://schemas.openxmlformats.org/drawingml/2006/main" xmlns:r="http://schemas.openxmlformats.org/officeDocument/2006/relationships" xmlns:p="http://schemas.openxmlformats.org/presentationml/2006/main">
   <p:cSld>
     <p:spTree>
@@ -4229,7 +8172,7 @@
 </p:sld>
 </file>
 
-<file path=ppt/slides/slide5.xml><?xml version="1.0" encoding="utf-8"?>
+<file path=ppt/slides/slide7.xml><?xml version="1.0" encoding="utf-8"?>
 <p:sld xmlns:a="http://schemas.openxmlformats.org/drawingml/2006/main" xmlns:r="http://schemas.openxmlformats.org/officeDocument/2006/relationships" xmlns:p="http://schemas.openxmlformats.org/presentationml/2006/main">
   <p:cSld>
     <p:spTree>
